--- a/hwi/PPT/Redis 자료구조.pptx
+++ b/hwi/PPT/Redis 자료구조.pptx
@@ -5,7 +5,7 @@
     <p:sldMasterId id="2147483648" r:id="rId1"/>
   </p:sldMasterIdLst>
   <p:notesMasterIdLst>
-    <p:notesMasterId r:id="rId15"/>
+    <p:notesMasterId r:id="rId20"/>
   </p:notesMasterIdLst>
   <p:sldIdLst>
     <p:sldId id="256" r:id="rId2"/>
@@ -15,12 +15,17 @@
     <p:sldId id="260" r:id="rId6"/>
     <p:sldId id="258" r:id="rId7"/>
     <p:sldId id="263" r:id="rId8"/>
-    <p:sldId id="267" r:id="rId9"/>
-    <p:sldId id="268" r:id="rId10"/>
-    <p:sldId id="269" r:id="rId11"/>
-    <p:sldId id="266" r:id="rId12"/>
-    <p:sldId id="265" r:id="rId13"/>
-    <p:sldId id="264" r:id="rId14"/>
+    <p:sldId id="272" r:id="rId9"/>
+    <p:sldId id="266" r:id="rId10"/>
+    <p:sldId id="265" r:id="rId11"/>
+    <p:sldId id="273" r:id="rId12"/>
+    <p:sldId id="274" r:id="rId13"/>
+    <p:sldId id="275" r:id="rId14"/>
+    <p:sldId id="270" r:id="rId15"/>
+    <p:sldId id="271" r:id="rId16"/>
+    <p:sldId id="267" r:id="rId17"/>
+    <p:sldId id="268" r:id="rId18"/>
+    <p:sldId id="269" r:id="rId19"/>
   </p:sldIdLst>
   <p:sldSz cx="12192000" cy="6858000"/>
   <p:notesSz cx="6858000" cy="9144000"/>
@@ -3411,16 +3416,20 @@
           <a:lstStyle/>
           <a:p>
             <a:r>
-              <a:rPr lang="ko-KR" altLang="en-US" dirty="0" err="1"/>
-              <a:t>채팅방에</a:t>
-            </a:r>
-            <a:r>
-              <a:rPr lang="ko-KR" altLang="en-US" dirty="0"/>
-              <a:t> 있는 유저 목록과 </a:t>
-            </a:r>
-            <a:r>
-              <a:rPr lang="ko-KR" altLang="en-US" dirty="0" smtClean="0"/>
-              <a:t>상태</a:t>
+              <a:rPr lang="en-US" altLang="ko-KR" dirty="0" smtClean="0"/>
+              <a:t>1. </a:t>
+            </a:r>
+            <a:r>
+              <a:rPr lang="ko-KR" altLang="en-US" dirty="0" smtClean="0"/>
+              <a:t>입장 가능한 </a:t>
+            </a:r>
+            <a:r>
+              <a:rPr lang="ko-KR" altLang="en-US" dirty="0" err="1" smtClean="0"/>
+              <a:t>채팅방</a:t>
+            </a:r>
+            <a:r>
+              <a:rPr lang="ko-KR" altLang="en-US" dirty="0" smtClean="0"/>
+              <a:t> 리스트 조회</a:t>
             </a:r>
             <a:endParaRPr lang="ko-KR" altLang="en-US" dirty="0"/>
           </a:p>
@@ -3443,7 +3452,30 @@
           <a:p>
             <a:r>
               <a:rPr lang="en-US" altLang="ko-KR" dirty="0" smtClean="0"/>
-              <a:t>Id </a:t>
+              <a:t>Input: </a:t>
+            </a:r>
+            <a:r>
+              <a:rPr lang="ko-KR" altLang="en-US" dirty="0" smtClean="0"/>
+              <a:t>유저의 </a:t>
+            </a:r>
+            <a:r>
+              <a:rPr lang="en-US" altLang="ko-KR" dirty="0" smtClean="0"/>
+              <a:t>GPS</a:t>
+            </a:r>
+            <a:r>
+              <a:rPr lang="ko-KR" altLang="en-US" dirty="0" smtClean="0"/>
+              <a:t>를 받음</a:t>
+            </a:r>
+            <a:endParaRPr lang="en-US" altLang="ko-KR" dirty="0" smtClean="0"/>
+          </a:p>
+          <a:p>
+            <a:r>
+              <a:rPr lang="en-US" altLang="ko-KR" dirty="0" smtClean="0"/>
+              <a:t>Logic: </a:t>
+            </a:r>
+            <a:r>
+              <a:rPr lang="ko-KR" altLang="en-US" dirty="0" smtClean="0"/>
+              <a:t>존재하는 모든 </a:t>
             </a:r>
             <a:r>
               <a:rPr lang="ko-KR" altLang="en-US" dirty="0" err="1" smtClean="0"/>
@@ -3451,21 +3483,106 @@
             </a:r>
             <a:r>
               <a:rPr lang="en-US" altLang="ko-KR" dirty="0" smtClean="0"/>
-              <a:t>_</a:t>
-            </a:r>
-            <a:r>
-              <a:rPr lang="en-US" altLang="ko-KR" dirty="0" err="1" smtClean="0"/>
-              <a:t>id_users</a:t>
-            </a:r>
-            <a:r>
-              <a:rPr lang="en-US" altLang="ko-KR" dirty="0" smtClean="0"/>
-              <a:t> – KEY</a:t>
-            </a:r>
-          </a:p>
-          <a:p>
-            <a:r>
-              <a:rPr lang="en-US" altLang="ko-KR" dirty="0" err="1" smtClean="0"/>
-              <a:t>User_id</a:t>
+              <a:t>_id</a:t>
+            </a:r>
+            <a:r>
+              <a:rPr lang="ko-KR" altLang="en-US" dirty="0" smtClean="0"/>
+              <a:t>의 </a:t>
+            </a:r>
+            <a:r>
+              <a:rPr lang="en-US" altLang="ko-KR" dirty="0" smtClean="0"/>
+              <a:t>Sub Key </a:t>
+            </a:r>
+            <a:r>
+              <a:rPr lang="ko-KR" altLang="en-US" dirty="0" smtClean="0"/>
+              <a:t>버스</a:t>
+            </a:r>
+            <a:r>
+              <a:rPr lang="en-US" altLang="ko-KR" dirty="0" smtClean="0"/>
+              <a:t>_id</a:t>
+            </a:r>
+            <a:r>
+              <a:rPr lang="ko-KR" altLang="en-US" dirty="0" smtClean="0"/>
+              <a:t>의 값을 받아서 </a:t>
+            </a:r>
+            <a:r>
+              <a:rPr lang="ko-KR" altLang="en-US" dirty="0" err="1" smtClean="0"/>
+              <a:t>파싱해서</a:t>
+            </a:r>
+            <a:r>
+              <a:rPr lang="ko-KR" altLang="en-US" dirty="0" smtClean="0"/>
+              <a:t> </a:t>
+            </a:r>
+            <a:r>
+              <a:rPr lang="en-US" altLang="ko-KR" dirty="0" smtClean="0"/>
+              <a:t>GPS</a:t>
+            </a:r>
+            <a:r>
+              <a:rPr lang="ko-KR" altLang="en-US" dirty="0" smtClean="0"/>
+              <a:t>를 구함</a:t>
+            </a:r>
+            <a:r>
+              <a:rPr lang="en-US" altLang="ko-KR" dirty="0" smtClean="0"/>
+              <a:t>, </a:t>
+            </a:r>
+            <a:r>
+              <a:rPr lang="ko-KR" altLang="en-US" dirty="0" smtClean="0"/>
+              <a:t>거기서 유저 </a:t>
+            </a:r>
+            <a:r>
+              <a:rPr lang="en-US" altLang="ko-KR" dirty="0" smtClean="0"/>
+              <a:t>GPS</a:t>
+            </a:r>
+            <a:r>
+              <a:rPr lang="ko-KR" altLang="en-US" dirty="0" smtClean="0"/>
+              <a:t>랑 비교해서 맞으면 </a:t>
+            </a:r>
+            <a:r>
+              <a:rPr lang="ko-KR" altLang="en-US" dirty="0" err="1" smtClean="0"/>
+              <a:t>파싱한</a:t>
+            </a:r>
+            <a:r>
+              <a:rPr lang="ko-KR" altLang="en-US" dirty="0" smtClean="0"/>
+              <a:t> 데이터 추출해서 </a:t>
+            </a:r>
+            <a:r>
+              <a:rPr lang="en-US" altLang="ko-KR" dirty="0" smtClean="0"/>
+              <a:t>output</a:t>
+            </a:r>
+            <a:r>
+              <a:rPr lang="ko-KR" altLang="en-US" dirty="0" smtClean="0"/>
+              <a:t>으로 보냄</a:t>
+            </a:r>
+            <a:endParaRPr lang="en-US" altLang="ko-KR" dirty="0"/>
+          </a:p>
+          <a:p>
+            <a:r>
+              <a:rPr lang="en-US" altLang="ko-KR" dirty="0" smtClean="0"/>
+              <a:t>Output: </a:t>
+            </a:r>
+            <a:r>
+              <a:rPr lang="ko-KR" altLang="en-US" dirty="0" err="1" smtClean="0"/>
+              <a:t>버스명</a:t>
+            </a:r>
+            <a:r>
+              <a:rPr lang="en-US" altLang="ko-KR" dirty="0" smtClean="0"/>
+              <a:t>, </a:t>
+            </a:r>
+            <a:r>
+              <a:rPr lang="ko-KR" altLang="en-US" dirty="0" smtClean="0"/>
+              <a:t>버스와 유저의 거리</a:t>
+            </a:r>
+            <a:r>
+              <a:rPr lang="en-US" altLang="ko-KR" dirty="0" smtClean="0"/>
+              <a:t>, </a:t>
+            </a:r>
+            <a:r>
+              <a:rPr lang="ko-KR" altLang="en-US" dirty="0" err="1" smtClean="0"/>
+              <a:t>채팅방</a:t>
+            </a:r>
+            <a:r>
+              <a:rPr lang="ko-KR" altLang="en-US" dirty="0" smtClean="0"/>
+              <a:t> 이용 유저 수 </a:t>
             </a:r>
             <a:endParaRPr lang="ko-KR" altLang="en-US" dirty="0"/>
           </a:p>
@@ -3474,7 +3591,7 @@
     </p:spTree>
     <p:extLst>
       <p:ext uri="{BB962C8B-B14F-4D97-AF65-F5344CB8AC3E}">
-        <p14:creationId xmlns:p14="http://schemas.microsoft.com/office/powerpoint/2010/main" val="2592375771"/>
+        <p14:creationId xmlns:p14="http://schemas.microsoft.com/office/powerpoint/2010/main" val="3977264038"/>
       </p:ext>
     </p:extLst>
   </p:cSld>
@@ -3517,298 +3634,76 @@
           <a:lstStyle/>
           <a:p>
             <a:r>
-              <a:rPr lang="en-US" altLang="ko-KR" dirty="0" err="1" smtClean="0"/>
-              <a:t>Redis</a:t>
-            </a:r>
-            <a:r>
-              <a:rPr lang="en-US" altLang="ko-KR" dirty="0" smtClean="0"/>
-              <a:t> API</a:t>
-            </a:r>
-            <a:endParaRPr lang="ko-KR" altLang="en-US" dirty="0"/>
-          </a:p>
-        </p:txBody>
-      </p:sp>
-      <p:sp>
-        <p:nvSpPr>
-          <p:cNvPr id="4" name="TextBox 3"/>
-          <p:cNvSpPr txBox="1"/>
-          <p:nvPr/>
-        </p:nvSpPr>
-        <p:spPr>
-          <a:xfrm>
-            <a:off x="838200" y="1690688"/>
-            <a:ext cx="10222523" cy="2031325"/>
-          </a:xfrm>
-          <a:prstGeom prst="rect">
-            <a:avLst/>
-          </a:prstGeom>
-          <a:noFill/>
-        </p:spPr>
-        <p:txBody>
-          <a:bodyPr wrap="square" rtlCol="0">
-            <a:spAutoFit/>
-          </a:bodyPr>
-          <a:lstStyle/>
-          <a:p>
-            <a:r>
-              <a:rPr lang="en-US" altLang="ko-KR" dirty="0" smtClean="0"/>
-              <a:t>1. </a:t>
-            </a:r>
-            <a:r>
-              <a:rPr lang="ko-KR" altLang="en-US" dirty="0" smtClean="0"/>
-              <a:t>입장 가능한 </a:t>
-            </a:r>
-            <a:r>
-              <a:rPr lang="ko-KR" altLang="en-US" dirty="0" err="1" smtClean="0"/>
+              <a:rPr lang="en-US" altLang="ko-KR" dirty="0"/>
+              <a:t>2. </a:t>
+            </a:r>
+            <a:r>
+              <a:rPr lang="ko-KR" altLang="en-US" dirty="0" err="1"/>
               <a:t>채팅방</a:t>
             </a:r>
             <a:r>
-              <a:rPr lang="ko-KR" altLang="en-US" dirty="0" smtClean="0"/>
-              <a:t> 리스트 </a:t>
-            </a:r>
-            <a:r>
-              <a:rPr lang="ko-KR" altLang="en-US" dirty="0" smtClean="0"/>
-              <a:t>조회 </a:t>
-            </a:r>
-            <a:r>
-              <a:rPr lang="en-US" altLang="ko-KR" dirty="0" smtClean="0"/>
-              <a:t>-&gt; GPS </a:t>
-            </a:r>
-            <a:r>
-              <a:rPr lang="ko-KR" altLang="en-US" dirty="0" err="1" smtClean="0"/>
-              <a:t>로직으로</a:t>
-            </a:r>
-            <a:r>
-              <a:rPr lang="ko-KR" altLang="en-US" dirty="0" smtClean="0"/>
-              <a:t> 버스 </a:t>
-            </a:r>
-            <a:r>
-              <a:rPr lang="en-US" altLang="ko-KR" dirty="0" smtClean="0"/>
-              <a:t>ID + </a:t>
-            </a:r>
-            <a:r>
-              <a:rPr lang="ko-KR" altLang="en-US" dirty="0" smtClean="0"/>
-              <a:t>채팅</a:t>
-            </a:r>
-            <a:r>
-              <a:rPr lang="en-US" altLang="ko-KR" dirty="0" smtClean="0"/>
-              <a:t>ID </a:t>
-            </a:r>
-            <a:r>
-              <a:rPr lang="ko-KR" altLang="en-US" dirty="0" err="1" smtClean="0"/>
-              <a:t>주면될듯</a:t>
-            </a:r>
-            <a:endParaRPr lang="en-US" altLang="ko-KR" dirty="0" smtClean="0"/>
-          </a:p>
-          <a:p>
-            <a:r>
-              <a:rPr lang="en-US" altLang="ko-KR" dirty="0" smtClean="0"/>
-              <a:t>2. </a:t>
-            </a:r>
-            <a:r>
-              <a:rPr lang="ko-KR" altLang="en-US" dirty="0" err="1" smtClean="0"/>
-              <a:t>채팅방</a:t>
-            </a:r>
-            <a:r>
-              <a:rPr lang="ko-KR" altLang="en-US" dirty="0" smtClean="0"/>
-              <a:t> 접속 가능 여부 </a:t>
-            </a:r>
-            <a:r>
-              <a:rPr lang="ko-KR" altLang="en-US" dirty="0" smtClean="0"/>
-              <a:t>확인 </a:t>
-            </a:r>
-            <a:r>
-              <a:rPr lang="en-US" altLang="ko-KR" dirty="0" smtClean="0"/>
-              <a:t>-&gt; </a:t>
-            </a:r>
+              <a:rPr lang="ko-KR" altLang="en-US" dirty="0"/>
+              <a:t> 접속 가능 </a:t>
+            </a:r>
+            <a:r>
+              <a:rPr lang="ko-KR" altLang="en-US" dirty="0" smtClean="0"/>
+              <a:t>여부 확인</a:t>
+            </a:r>
+            <a:endParaRPr lang="en-US" altLang="ko-KR" dirty="0"/>
+          </a:p>
+        </p:txBody>
+      </p:sp>
+      <p:sp>
+        <p:nvSpPr>
+          <p:cNvPr id="3" name="내용 개체 틀 2"/>
+          <p:cNvSpPr>
+            <a:spLocks noGrp="1"/>
+          </p:cNvSpPr>
+          <p:nvPr>
+            <p:ph idx="1"/>
+          </p:nvPr>
+        </p:nvSpPr>
+        <p:spPr/>
+        <p:txBody>
+          <a:bodyPr/>
+          <a:lstStyle/>
+          <a:p>
             <a:r>
               <a:rPr lang="ko-KR" altLang="en-US" dirty="0" err="1" smtClean="0"/>
               <a:t>유저랑</a:t>
             </a:r>
             <a:r>
               <a:rPr lang="ko-KR" altLang="en-US" dirty="0" smtClean="0"/>
-              <a:t> 버스 </a:t>
-            </a:r>
-            <a:r>
-              <a:rPr lang="en-US" altLang="ko-KR" dirty="0" smtClean="0"/>
+              <a:t> </a:t>
+            </a:r>
+            <a:r>
+              <a:rPr lang="ko-KR" altLang="en-US" dirty="0"/>
+              <a:t>버스 </a:t>
+            </a:r>
+            <a:r>
+              <a:rPr lang="en-US" altLang="ko-KR" dirty="0"/>
               <a:t>GPS </a:t>
             </a:r>
             <a:r>
-              <a:rPr lang="ko-KR" altLang="en-US" dirty="0" smtClean="0"/>
+              <a:rPr lang="ko-KR" altLang="en-US" dirty="0"/>
               <a:t>비교해서 </a:t>
             </a:r>
             <a:r>
-              <a:rPr lang="en-US" altLang="ko-KR" dirty="0" smtClean="0"/>
+              <a:rPr lang="en-US" altLang="ko-KR" dirty="0"/>
               <a:t>True or False </a:t>
             </a:r>
             <a:r>
-              <a:rPr lang="ko-KR" altLang="en-US" dirty="0" smtClean="0"/>
+              <a:rPr lang="ko-KR" altLang="en-US" dirty="0"/>
               <a:t>주면 됨</a:t>
             </a:r>
-            <a:endParaRPr lang="en-US" altLang="ko-KR" dirty="0" smtClean="0"/>
-          </a:p>
-          <a:p>
-            <a:r>
-              <a:rPr lang="en-US" altLang="ko-KR" dirty="0" smtClean="0"/>
-              <a:t>3. </a:t>
-            </a:r>
-            <a:r>
-              <a:rPr lang="ko-KR" altLang="en-US" dirty="0" err="1" smtClean="0"/>
-              <a:t>채팅방</a:t>
-            </a:r>
-            <a:r>
-              <a:rPr lang="ko-KR" altLang="en-US" dirty="0" smtClean="0"/>
-              <a:t> 입장 </a:t>
-            </a:r>
-            <a:r>
-              <a:rPr lang="en-US" altLang="ko-KR" dirty="0" smtClean="0"/>
-              <a:t>(</a:t>
-            </a:r>
-            <a:r>
-              <a:rPr lang="ko-KR" altLang="en-US" dirty="0" smtClean="0"/>
-              <a:t>입장 시 </a:t>
-            </a:r>
-            <a:r>
-              <a:rPr lang="ko-KR" altLang="en-US" dirty="0" err="1" smtClean="0"/>
-              <a:t>채팅방</a:t>
-            </a:r>
-            <a:r>
-              <a:rPr lang="ko-KR" altLang="en-US" dirty="0" smtClean="0"/>
-              <a:t> 정보 다 전달</a:t>
-            </a:r>
-            <a:r>
-              <a:rPr lang="en-US" altLang="ko-KR" dirty="0" smtClean="0"/>
-              <a:t>)</a:t>
-            </a:r>
-          </a:p>
-          <a:p>
-            <a:r>
-              <a:rPr lang="en-US" altLang="ko-KR" dirty="0" smtClean="0"/>
-              <a:t>-&gt; 1. </a:t>
-            </a:r>
-            <a:r>
-              <a:rPr lang="ko-KR" altLang="en-US" dirty="0" smtClean="0"/>
-              <a:t>유저의 정보를 </a:t>
-            </a:r>
-            <a:r>
-              <a:rPr lang="ko-KR" altLang="en-US" dirty="0" err="1" smtClean="0"/>
-              <a:t>레디스</a:t>
-            </a:r>
-            <a:r>
-              <a:rPr lang="ko-KR" altLang="en-US" dirty="0" smtClean="0"/>
-              <a:t> 서버에 </a:t>
-            </a:r>
-            <a:r>
-              <a:rPr lang="ko-KR" altLang="en-US" dirty="0" smtClean="0"/>
-              <a:t>저장 </a:t>
-            </a:r>
-            <a:r>
-              <a:rPr lang="en-US" altLang="ko-KR" dirty="0" smtClean="0"/>
-              <a:t>-&gt; </a:t>
-            </a:r>
-            <a:r>
-              <a:rPr lang="ko-KR" altLang="en-US" dirty="0" err="1" smtClean="0"/>
-              <a:t>채팅방에</a:t>
-            </a:r>
-            <a:r>
-              <a:rPr lang="ko-KR" altLang="en-US" dirty="0" smtClean="0"/>
-              <a:t> 유저에 대한 정보가 없는데</a:t>
-            </a:r>
-            <a:r>
-              <a:rPr lang="en-US" altLang="ko-KR" dirty="0" smtClean="0"/>
-              <a:t>?</a:t>
-            </a:r>
-            <a:endParaRPr lang="en-US" altLang="ko-KR" dirty="0" smtClean="0"/>
-          </a:p>
-          <a:p>
-            <a:r>
-              <a:rPr lang="en-US" altLang="ko-KR" dirty="0" smtClean="0"/>
-              <a:t>-&gt; 2. </a:t>
-            </a:r>
-            <a:r>
-              <a:rPr lang="ko-KR" altLang="en-US" dirty="0" smtClean="0"/>
-              <a:t>버스 정보를 유저의 </a:t>
-            </a:r>
-            <a:r>
-              <a:rPr lang="ko-KR" altLang="en-US" dirty="0" err="1" smtClean="0"/>
-              <a:t>스토리지에</a:t>
-            </a:r>
-            <a:r>
-              <a:rPr lang="ko-KR" altLang="en-US" dirty="0" smtClean="0"/>
-              <a:t> </a:t>
-            </a:r>
-            <a:r>
-              <a:rPr lang="ko-KR" altLang="en-US" dirty="0" smtClean="0"/>
-              <a:t>저장 </a:t>
-            </a:r>
-            <a:r>
-              <a:rPr lang="en-US" altLang="ko-KR" dirty="0" smtClean="0"/>
-              <a:t>-&gt; </a:t>
-            </a:r>
-            <a:r>
-              <a:rPr lang="ko-KR" altLang="en-US" dirty="0" smtClean="0"/>
-              <a:t>이건 받으면 되지</a:t>
-            </a:r>
-            <a:r>
-              <a:rPr lang="en-US" altLang="ko-KR" dirty="0" smtClean="0"/>
-              <a:t>, 1</a:t>
-            </a:r>
-            <a:r>
-              <a:rPr lang="ko-KR" altLang="en-US" dirty="0" smtClean="0"/>
-              <a:t>번 받고 </a:t>
-            </a:r>
-            <a:r>
-              <a:rPr lang="en-US" altLang="ko-KR" dirty="0" smtClean="0"/>
-              <a:t>1</a:t>
-            </a:r>
-            <a:r>
-              <a:rPr lang="ko-KR" altLang="en-US" dirty="0" smtClean="0"/>
-              <a:t>분마다 업데이트</a:t>
-            </a:r>
-            <a:r>
-              <a:rPr lang="en-US" altLang="ko-KR" dirty="0" smtClean="0"/>
-              <a:t>?</a:t>
-            </a:r>
-            <a:endParaRPr lang="en-US" altLang="ko-KR" dirty="0" smtClean="0"/>
-          </a:p>
-          <a:p>
-            <a:r>
-              <a:rPr lang="en-US" altLang="ko-KR" dirty="0" smtClean="0"/>
-              <a:t>4. </a:t>
-            </a:r>
-            <a:r>
-              <a:rPr lang="ko-KR" altLang="en-US" dirty="0" err="1" smtClean="0"/>
-              <a:t>채팅방</a:t>
-            </a:r>
-            <a:r>
-              <a:rPr lang="ko-KR" altLang="en-US" dirty="0" smtClean="0"/>
-              <a:t> 퇴장 </a:t>
-            </a:r>
-            <a:r>
-              <a:rPr lang="en-US" altLang="ko-KR" dirty="0" smtClean="0"/>
-              <a:t>(</a:t>
-            </a:r>
-            <a:r>
-              <a:rPr lang="ko-KR" altLang="en-US" dirty="0" smtClean="0"/>
-              <a:t>사용자</a:t>
-            </a:r>
-            <a:r>
-              <a:rPr lang="en-US" altLang="ko-KR" dirty="0" smtClean="0"/>
-              <a:t>)</a:t>
-            </a:r>
-          </a:p>
-          <a:p>
-            <a:r>
-              <a:rPr lang="en-US" altLang="ko-KR" dirty="0" smtClean="0"/>
-              <a:t>-&gt; 1. </a:t>
-            </a:r>
+            <a:endParaRPr lang="ko-KR" altLang="en-US" dirty="0"/>
           </a:p>
         </p:txBody>
       </p:sp>
     </p:spTree>
     <p:extLst>
       <p:ext uri="{BB962C8B-B14F-4D97-AF65-F5344CB8AC3E}">
-        <p14:creationId xmlns:p14="http://schemas.microsoft.com/office/powerpoint/2010/main" val="1177566500"/>
+        <p14:creationId xmlns:p14="http://schemas.microsoft.com/office/powerpoint/2010/main" val="3714151994"/>
       </p:ext>
     </p:extLst>
   </p:cSld>
@@ -3851,22 +3746,22 @@
           <a:lstStyle/>
           <a:p>
             <a:r>
-              <a:rPr lang="en-US" altLang="ko-KR" dirty="0" smtClean="0"/>
-              <a:t>1. </a:t>
-            </a:r>
-            <a:r>
-              <a:rPr lang="ko-KR" altLang="en-US" dirty="0" smtClean="0"/>
-              <a:t>입장 가능한 </a:t>
-            </a:r>
-            <a:r>
-              <a:rPr lang="ko-KR" altLang="en-US" dirty="0" err="1" smtClean="0"/>
+              <a:rPr lang="en-US" altLang="ko-KR" dirty="0"/>
+              <a:t>3. </a:t>
+            </a:r>
+            <a:r>
+              <a:rPr lang="ko-KR" altLang="en-US" dirty="0" err="1"/>
               <a:t>채팅방</a:t>
             </a:r>
             <a:r>
-              <a:rPr lang="ko-KR" altLang="en-US" dirty="0" smtClean="0"/>
-              <a:t> 리스트 조회</a:t>
-            </a:r>
-            <a:endParaRPr lang="ko-KR" altLang="en-US" dirty="0"/>
+              <a:rPr lang="ko-KR" altLang="en-US" dirty="0"/>
+              <a:t> </a:t>
+            </a:r>
+            <a:r>
+              <a:rPr lang="ko-KR" altLang="en-US" dirty="0" smtClean="0"/>
+              <a:t>입장</a:t>
+            </a:r>
+            <a:endParaRPr lang="en-US" altLang="ko-KR" dirty="0"/>
           </a:p>
         </p:txBody>
       </p:sp>
@@ -3882,17 +3777,174 @@
         </p:nvSpPr>
         <p:spPr/>
         <p:txBody>
-          <a:bodyPr/>
-          <a:lstStyle/>
-          <a:p>
-            <a:endParaRPr lang="ko-KR" altLang="en-US" dirty="0"/>
+          <a:bodyPr>
+            <a:normAutofit lnSpcReduction="10000"/>
+          </a:bodyPr>
+          <a:lstStyle/>
+          <a:p>
+            <a:r>
+              <a:rPr lang="en-US" altLang="ko-KR" dirty="0" smtClean="0"/>
+              <a:t>User</a:t>
+            </a:r>
+            <a:r>
+              <a:rPr lang="ko-KR" altLang="en-US" dirty="0" smtClean="0"/>
+              <a:t>의 정보</a:t>
+            </a:r>
+            <a:r>
+              <a:rPr lang="en-US" altLang="ko-KR" dirty="0" smtClean="0"/>
+              <a:t>(</a:t>
+            </a:r>
+            <a:r>
+              <a:rPr lang="en-US" altLang="ko-KR" dirty="0" err="1" smtClean="0"/>
+              <a:t>in,out</a:t>
+            </a:r>
+            <a:r>
+              <a:rPr lang="en-US" altLang="ko-KR" dirty="0" smtClean="0"/>
+              <a:t>)</a:t>
+            </a:r>
+            <a:r>
+              <a:rPr lang="ko-KR" altLang="en-US" dirty="0" smtClean="0"/>
+              <a:t>를 </a:t>
+            </a:r>
+            <a:r>
+              <a:rPr lang="ko-KR" altLang="en-US" dirty="0" err="1" smtClean="0"/>
+              <a:t>레디스</a:t>
+            </a:r>
+            <a:r>
+              <a:rPr lang="ko-KR" altLang="en-US" dirty="0" smtClean="0"/>
+              <a:t> </a:t>
+            </a:r>
+            <a:r>
+              <a:rPr lang="ko-KR" altLang="en-US" dirty="0" err="1" smtClean="0"/>
+              <a:t>채팅방에</a:t>
+            </a:r>
+            <a:r>
+              <a:rPr lang="ko-KR" altLang="en-US" dirty="0" smtClean="0"/>
+              <a:t> 저장</a:t>
+            </a:r>
+            <a:endParaRPr lang="en-US" altLang="ko-KR" dirty="0" smtClean="0"/>
+          </a:p>
+          <a:p>
+            <a:r>
+              <a:rPr lang="ko-KR" altLang="en-US" dirty="0" smtClean="0"/>
+              <a:t>유저가 받아야하는 정보</a:t>
+            </a:r>
+            <a:endParaRPr lang="en-US" altLang="ko-KR" dirty="0" smtClean="0"/>
+          </a:p>
+          <a:p>
+            <a:r>
+              <a:rPr lang="en-US" altLang="ko-KR" dirty="0" smtClean="0"/>
+              <a:t>1. </a:t>
+            </a:r>
+            <a:r>
+              <a:rPr lang="ko-KR" altLang="en-US" dirty="0" smtClean="0"/>
+              <a:t>버스번호</a:t>
+            </a:r>
+            <a:endParaRPr lang="en-US" altLang="ko-KR" dirty="0" smtClean="0"/>
+          </a:p>
+          <a:p>
+            <a:r>
+              <a:rPr lang="en-US" altLang="ko-KR" dirty="0" smtClean="0"/>
+              <a:t>2. </a:t>
+            </a:r>
+            <a:r>
+              <a:rPr lang="ko-KR" altLang="en-US" dirty="0" smtClean="0"/>
+              <a:t>차량번호</a:t>
+            </a:r>
+            <a:endParaRPr lang="en-US" altLang="ko-KR" dirty="0" smtClean="0"/>
+          </a:p>
+          <a:p>
+            <a:r>
+              <a:rPr lang="en-US" altLang="ko-KR" dirty="0" smtClean="0"/>
+              <a:t>3. GPS</a:t>
+            </a:r>
+          </a:p>
+          <a:p>
+            <a:r>
+              <a:rPr lang="en-US" altLang="ko-KR" dirty="0" smtClean="0"/>
+              <a:t>4. </a:t>
+            </a:r>
+            <a:r>
+              <a:rPr lang="ko-KR" altLang="en-US" dirty="0" smtClean="0"/>
+              <a:t>생성 시간</a:t>
+            </a:r>
+            <a:endParaRPr lang="en-US" altLang="ko-KR" dirty="0" smtClean="0"/>
+          </a:p>
+          <a:p>
+            <a:r>
+              <a:rPr lang="en-US" altLang="ko-KR" dirty="0" smtClean="0"/>
+              <a:t>5. </a:t>
+            </a:r>
+            <a:r>
+              <a:rPr lang="ko-KR" altLang="en-US" dirty="0" smtClean="0"/>
+              <a:t>노선</a:t>
+            </a:r>
+            <a:endParaRPr lang="en-US" altLang="ko-KR" dirty="0" smtClean="0"/>
+          </a:p>
+          <a:p>
+            <a:r>
+              <a:rPr lang="en-US" altLang="ko-KR" dirty="0" smtClean="0"/>
+              <a:t>6. </a:t>
+            </a:r>
+            <a:r>
+              <a:rPr lang="ko-KR" altLang="en-US" dirty="0" smtClean="0"/>
+              <a:t>버스의 현재 정류장</a:t>
+            </a:r>
+            <a:endParaRPr lang="en-US" altLang="ko-KR" dirty="0" smtClean="0"/>
+          </a:p>
+          <a:p>
+            <a:r>
+              <a:rPr lang="en-US" altLang="ko-KR" dirty="0" smtClean="0"/>
+              <a:t>7. </a:t>
+            </a:r>
+            <a:r>
+              <a:rPr lang="ko-KR" altLang="en-US" dirty="0" smtClean="0"/>
+              <a:t>유저</a:t>
+            </a:r>
+            <a:r>
+              <a:rPr lang="en-US" altLang="ko-KR" dirty="0" smtClean="0"/>
+              <a:t>: </a:t>
+            </a:r>
+            <a:r>
+              <a:rPr lang="ko-KR" altLang="en-US" dirty="0" smtClean="0"/>
+              <a:t>닉네임</a:t>
+            </a:r>
+            <a:r>
+              <a:rPr lang="en-US" altLang="ko-KR" dirty="0" smtClean="0"/>
+              <a:t>:</a:t>
+            </a:r>
+            <a:r>
+              <a:rPr lang="ko-KR" altLang="en-US" dirty="0" smtClean="0"/>
+              <a:t>생일</a:t>
+            </a:r>
+            <a:r>
+              <a:rPr lang="en-US" altLang="ko-KR" dirty="0" smtClean="0"/>
+              <a:t>:</a:t>
+            </a:r>
+            <a:r>
+              <a:rPr lang="ko-KR" altLang="en-US" dirty="0" smtClean="0"/>
+              <a:t>상태</a:t>
+            </a:r>
+            <a:r>
+              <a:rPr lang="en-US" altLang="ko-KR" dirty="0" smtClean="0"/>
+              <a:t>:</a:t>
+            </a:r>
+            <a:r>
+              <a:rPr lang="ko-KR" altLang="en-US" dirty="0" err="1" smtClean="0"/>
+              <a:t>하차정류장</a:t>
+            </a:r>
+            <a:r>
+              <a:rPr lang="ko-KR" altLang="en-US" dirty="0" smtClean="0"/>
+              <a:t> 리스트</a:t>
+            </a:r>
+            <a:endParaRPr lang="en-US" altLang="ko-KR" dirty="0" smtClean="0"/>
           </a:p>
         </p:txBody>
       </p:sp>
     </p:spTree>
     <p:extLst>
       <p:ext uri="{BB962C8B-B14F-4D97-AF65-F5344CB8AC3E}">
-        <p14:creationId xmlns:p14="http://schemas.microsoft.com/office/powerpoint/2010/main" val="3977264038"/>
+        <p14:creationId xmlns:p14="http://schemas.microsoft.com/office/powerpoint/2010/main" val="3754311747"/>
       </p:ext>
     </p:extLst>
   </p:cSld>
@@ -3935,12 +3987,90 @@
           <a:lstStyle/>
           <a:p>
             <a:r>
+              <a:rPr lang="en-US" altLang="ko-KR" dirty="0" smtClean="0"/>
+              <a:t>4. </a:t>
+            </a:r>
+            <a:r>
               <a:rPr lang="ko-KR" altLang="en-US" dirty="0" err="1" smtClean="0"/>
-              <a:t>채팅시</a:t>
-            </a:r>
-            <a:r>
-              <a:rPr lang="ko-KR" altLang="en-US" dirty="0" smtClean="0"/>
-              <a:t> 사용할 데이터</a:t>
+              <a:t>채팅방</a:t>
+            </a:r>
+            <a:r>
+              <a:rPr lang="ko-KR" altLang="en-US" dirty="0" smtClean="0"/>
+              <a:t> 퇴장</a:t>
+            </a:r>
+            <a:endParaRPr lang="en-US" altLang="ko-KR" dirty="0"/>
+          </a:p>
+        </p:txBody>
+      </p:sp>
+      <p:sp>
+        <p:nvSpPr>
+          <p:cNvPr id="3" name="내용 개체 틀 2"/>
+          <p:cNvSpPr>
+            <a:spLocks noGrp="1"/>
+          </p:cNvSpPr>
+          <p:nvPr>
+            <p:ph idx="1"/>
+          </p:nvPr>
+        </p:nvSpPr>
+        <p:spPr/>
+        <p:txBody>
+          <a:bodyPr/>
+          <a:lstStyle/>
+          <a:p>
+            <a:r>
+              <a:rPr lang="en-US" altLang="ko-KR" dirty="0" err="1" smtClean="0"/>
+              <a:t>Redis</a:t>
+            </a:r>
+            <a:r>
+              <a:rPr lang="en-US" altLang="ko-KR" dirty="0"/>
+              <a:t> </a:t>
+            </a:r>
+            <a:r>
+              <a:rPr lang="ko-KR" altLang="en-US" dirty="0" err="1" smtClean="0"/>
+              <a:t>채팅방</a:t>
+            </a:r>
+            <a:r>
+              <a:rPr lang="en-US" altLang="ko-KR" dirty="0" smtClean="0"/>
+              <a:t>_id </a:t>
+            </a:r>
+            <a:r>
+              <a:rPr lang="ko-KR" altLang="en-US" dirty="0" smtClean="0"/>
+              <a:t>의 </a:t>
+            </a:r>
+            <a:r>
+              <a:rPr lang="en-US" altLang="ko-KR" dirty="0" err="1" smtClean="0"/>
+              <a:t>User_list</a:t>
+            </a:r>
+            <a:r>
+              <a:rPr lang="ko-KR" altLang="en-US" dirty="0" smtClean="0"/>
+              <a:t>에서 삭제</a:t>
+            </a:r>
+            <a:endParaRPr lang="en-US" altLang="ko-KR" dirty="0" smtClean="0"/>
+          </a:p>
+          <a:p>
+            <a:r>
+              <a:rPr lang="ko-KR" altLang="en-US" dirty="0" smtClean="0"/>
+              <a:t>밑에 유저들 상태 리스트는 </a:t>
+            </a:r>
+            <a:r>
+              <a:rPr lang="ko-KR" altLang="en-US" dirty="0" err="1" smtClean="0"/>
+              <a:t>내비둠</a:t>
+            </a:r>
+            <a:r>
+              <a:rPr lang="ko-KR" altLang="en-US" dirty="0" smtClean="0"/>
+              <a:t> </a:t>
+            </a:r>
+            <a:r>
+              <a:rPr lang="en-US" altLang="ko-KR" dirty="0" smtClean="0"/>
+              <a:t>= </a:t>
+            </a:r>
+            <a:r>
+              <a:rPr lang="ko-KR" altLang="en-US" dirty="0" smtClean="0"/>
+              <a:t>소프트 </a:t>
+            </a:r>
+            <a:r>
+              <a:rPr lang="ko-KR" altLang="en-US" dirty="0" err="1" smtClean="0"/>
+              <a:t>딜리트</a:t>
             </a:r>
             <a:endParaRPr lang="ko-KR" altLang="en-US" dirty="0"/>
           </a:p>
@@ -3949,7 +4079,1945 @@
     </p:spTree>
     <p:extLst>
       <p:ext uri="{BB962C8B-B14F-4D97-AF65-F5344CB8AC3E}">
-        <p14:creationId xmlns:p14="http://schemas.microsoft.com/office/powerpoint/2010/main" val="878606790"/>
+        <p14:creationId xmlns:p14="http://schemas.microsoft.com/office/powerpoint/2010/main" val="953800069"/>
+      </p:ext>
+    </p:extLst>
+  </p:cSld>
+  <p:clrMapOvr>
+    <a:masterClrMapping/>
+  </p:clrMapOvr>
+</p:sld>
+</file>
+
+<file path=ppt/slides/slide14.xml><?xml version="1.0" encoding="utf-8"?>
+<p:sld xmlns:a="http://schemas.openxmlformats.org/drawingml/2006/main" xmlns:r="http://schemas.openxmlformats.org/officeDocument/2006/relationships" xmlns:p="http://schemas.openxmlformats.org/presentationml/2006/main">
+  <p:cSld>
+    <p:spTree>
+      <p:nvGrpSpPr>
+        <p:cNvPr id="1" name=""/>
+        <p:cNvGrpSpPr/>
+        <p:nvPr/>
+      </p:nvGrpSpPr>
+      <p:grpSpPr>
+        <a:xfrm>
+          <a:off x="0" y="0"/>
+          <a:ext cx="0" cy="0"/>
+          <a:chOff x="0" y="0"/>
+          <a:chExt cx="0" cy="0"/>
+        </a:xfrm>
+      </p:grpSpPr>
+      <p:sp>
+        <p:nvSpPr>
+          <p:cNvPr id="4" name="모서리가 둥근 직사각형 3"/>
+          <p:cNvSpPr/>
+          <p:nvPr/>
+        </p:nvSpPr>
+        <p:spPr>
+          <a:xfrm>
+            <a:off x="87924" y="1723293"/>
+            <a:ext cx="1617784" cy="641838"/>
+          </a:xfrm>
+          <a:prstGeom prst="roundRect">
+            <a:avLst/>
+          </a:prstGeom>
+        </p:spPr>
+        <p:style>
+          <a:lnRef idx="2">
+            <a:schemeClr val="accent1">
+              <a:shade val="50000"/>
+            </a:schemeClr>
+          </a:lnRef>
+          <a:fillRef idx="1">
+            <a:schemeClr val="accent1"/>
+          </a:fillRef>
+          <a:effectRef idx="0">
+            <a:schemeClr val="accent1"/>
+          </a:effectRef>
+          <a:fontRef idx="minor">
+            <a:schemeClr val="lt1"/>
+          </a:fontRef>
+        </p:style>
+        <p:txBody>
+          <a:bodyPr rtlCol="0" anchor="ctr"/>
+          <a:lstStyle/>
+          <a:p>
+            <a:pPr algn="ctr"/>
+            <a:r>
+              <a:rPr lang="ko-KR" altLang="en-US" dirty="0" err="1" smtClean="0"/>
+              <a:t>채팅방</a:t>
+            </a:r>
+            <a:r>
+              <a:rPr lang="en-US" altLang="ko-KR" dirty="0" smtClean="0"/>
+              <a:t>_id</a:t>
+            </a:r>
+            <a:endParaRPr lang="ko-KR" altLang="en-US" dirty="0"/>
+          </a:p>
+        </p:txBody>
+      </p:sp>
+      <p:sp>
+        <p:nvSpPr>
+          <p:cNvPr id="7" name="모서리가 둥근 직사각형 6"/>
+          <p:cNvSpPr/>
+          <p:nvPr/>
+        </p:nvSpPr>
+        <p:spPr>
+          <a:xfrm>
+            <a:off x="2429610" y="228606"/>
+            <a:ext cx="1617784" cy="641838"/>
+          </a:xfrm>
+          <a:prstGeom prst="roundRect">
+            <a:avLst/>
+          </a:prstGeom>
+        </p:spPr>
+        <p:style>
+          <a:lnRef idx="2">
+            <a:schemeClr val="accent1">
+              <a:shade val="50000"/>
+            </a:schemeClr>
+          </a:lnRef>
+          <a:fillRef idx="1">
+            <a:schemeClr val="accent1"/>
+          </a:fillRef>
+          <a:effectRef idx="0">
+            <a:schemeClr val="accent1"/>
+          </a:effectRef>
+          <a:fontRef idx="minor">
+            <a:schemeClr val="lt1"/>
+          </a:fontRef>
+        </p:style>
+        <p:txBody>
+          <a:bodyPr rtlCol="0" anchor="ctr"/>
+          <a:lstStyle/>
+          <a:p>
+            <a:pPr algn="ctr"/>
+            <a:r>
+              <a:rPr lang="ko-KR" altLang="en-US" dirty="0" smtClean="0"/>
+              <a:t>버스</a:t>
+            </a:r>
+            <a:r>
+              <a:rPr lang="en-US" altLang="ko-KR" dirty="0" smtClean="0"/>
+              <a:t>_id</a:t>
+            </a:r>
+            <a:endParaRPr lang="ko-KR" altLang="en-US" dirty="0"/>
+          </a:p>
+        </p:txBody>
+      </p:sp>
+      <p:sp>
+        <p:nvSpPr>
+          <p:cNvPr id="8" name="모서리가 둥근 직사각형 7"/>
+          <p:cNvSpPr/>
+          <p:nvPr/>
+        </p:nvSpPr>
+        <p:spPr>
+          <a:xfrm>
+            <a:off x="4358056" y="228606"/>
+            <a:ext cx="6702669" cy="641838"/>
+          </a:xfrm>
+          <a:prstGeom prst="roundRect">
+            <a:avLst/>
+          </a:prstGeom>
+        </p:spPr>
+        <p:style>
+          <a:lnRef idx="2">
+            <a:schemeClr val="accent1">
+              <a:shade val="50000"/>
+            </a:schemeClr>
+          </a:lnRef>
+          <a:fillRef idx="1">
+            <a:schemeClr val="accent1"/>
+          </a:fillRef>
+          <a:effectRef idx="0">
+            <a:schemeClr val="accent1"/>
+          </a:effectRef>
+          <a:fontRef idx="minor">
+            <a:schemeClr val="lt1"/>
+          </a:fontRef>
+        </p:style>
+        <p:txBody>
+          <a:bodyPr rtlCol="0" anchor="ctr"/>
+          <a:lstStyle/>
+          <a:p>
+            <a:r>
+              <a:rPr lang="en-US" altLang="ko-KR" dirty="0" err="1" smtClean="0"/>
+              <a:t>License_no:Route_id:Lat:Lng:Last_modified_date:Created_date</a:t>
+            </a:r>
+            <a:endParaRPr lang="ko-KR" altLang="en-US" dirty="0"/>
+          </a:p>
+        </p:txBody>
+      </p:sp>
+      <p:sp>
+        <p:nvSpPr>
+          <p:cNvPr id="11" name="모서리가 둥근 직사각형 10"/>
+          <p:cNvSpPr/>
+          <p:nvPr/>
+        </p:nvSpPr>
+        <p:spPr>
+          <a:xfrm>
+            <a:off x="2432542" y="1101975"/>
+            <a:ext cx="1617784" cy="641838"/>
+          </a:xfrm>
+          <a:prstGeom prst="roundRect">
+            <a:avLst/>
+          </a:prstGeom>
+        </p:spPr>
+        <p:style>
+          <a:lnRef idx="2">
+            <a:schemeClr val="accent1">
+              <a:shade val="50000"/>
+            </a:schemeClr>
+          </a:lnRef>
+          <a:fillRef idx="1">
+            <a:schemeClr val="accent1"/>
+          </a:fillRef>
+          <a:effectRef idx="0">
+            <a:schemeClr val="accent1"/>
+          </a:effectRef>
+          <a:fontRef idx="minor">
+            <a:schemeClr val="lt1"/>
+          </a:fontRef>
+        </p:style>
+        <p:txBody>
+          <a:bodyPr rtlCol="0" anchor="ctr"/>
+          <a:lstStyle/>
+          <a:p>
+            <a:pPr algn="ctr"/>
+            <a:r>
+              <a:rPr lang="en-US" altLang="ko-KR" dirty="0" err="1" smtClean="0"/>
+              <a:t>Route_id</a:t>
+            </a:r>
+            <a:endParaRPr lang="ko-KR" altLang="en-US" dirty="0"/>
+          </a:p>
+        </p:txBody>
+      </p:sp>
+      <p:sp>
+        <p:nvSpPr>
+          <p:cNvPr id="12" name="모서리가 둥근 직사각형 11"/>
+          <p:cNvSpPr/>
+          <p:nvPr/>
+        </p:nvSpPr>
+        <p:spPr>
+          <a:xfrm>
+            <a:off x="4360988" y="1101975"/>
+            <a:ext cx="6702669" cy="641838"/>
+          </a:xfrm>
+          <a:prstGeom prst="roundRect">
+            <a:avLst/>
+          </a:prstGeom>
+        </p:spPr>
+        <p:style>
+          <a:lnRef idx="2">
+            <a:schemeClr val="accent1">
+              <a:shade val="50000"/>
+            </a:schemeClr>
+          </a:lnRef>
+          <a:fillRef idx="1">
+            <a:schemeClr val="accent1"/>
+          </a:fillRef>
+          <a:effectRef idx="0">
+            <a:schemeClr val="accent1"/>
+          </a:effectRef>
+          <a:fontRef idx="minor">
+            <a:schemeClr val="lt1"/>
+          </a:fontRef>
+        </p:style>
+        <p:txBody>
+          <a:bodyPr rtlCol="0" anchor="ctr"/>
+          <a:lstStyle/>
+          <a:p>
+            <a:r>
+              <a:rPr lang="ko-KR" altLang="en-US" dirty="0" smtClean="0"/>
+              <a:t>노선 정보</a:t>
+            </a:r>
+            <a:endParaRPr lang="ko-KR" altLang="en-US" dirty="0"/>
+          </a:p>
+        </p:txBody>
+      </p:sp>
+      <p:sp>
+        <p:nvSpPr>
+          <p:cNvPr id="13" name="모서리가 둥근 직사각형 12"/>
+          <p:cNvSpPr/>
+          <p:nvPr/>
+        </p:nvSpPr>
+        <p:spPr>
+          <a:xfrm>
+            <a:off x="2429610" y="1975344"/>
+            <a:ext cx="1617784" cy="641838"/>
+          </a:xfrm>
+          <a:prstGeom prst="roundRect">
+            <a:avLst/>
+          </a:prstGeom>
+        </p:spPr>
+        <p:style>
+          <a:lnRef idx="2">
+            <a:schemeClr val="accent1">
+              <a:shade val="50000"/>
+            </a:schemeClr>
+          </a:lnRef>
+          <a:fillRef idx="1">
+            <a:schemeClr val="accent1"/>
+          </a:fillRef>
+          <a:effectRef idx="0">
+            <a:schemeClr val="accent1"/>
+          </a:effectRef>
+          <a:fontRef idx="minor">
+            <a:schemeClr val="lt1"/>
+          </a:fontRef>
+        </p:style>
+        <p:txBody>
+          <a:bodyPr rtlCol="0" anchor="ctr"/>
+          <a:lstStyle/>
+          <a:p>
+            <a:pPr algn="ctr"/>
+            <a:r>
+              <a:rPr lang="en-US" altLang="ko-KR" dirty="0" err="1" smtClean="0"/>
+              <a:t>User_list</a:t>
+            </a:r>
+            <a:endParaRPr lang="ko-KR" altLang="en-US" dirty="0"/>
+          </a:p>
+        </p:txBody>
+      </p:sp>
+      <p:sp>
+        <p:nvSpPr>
+          <p:cNvPr id="14" name="모서리가 둥근 직사각형 13"/>
+          <p:cNvSpPr/>
+          <p:nvPr/>
+        </p:nvSpPr>
+        <p:spPr>
+          <a:xfrm>
+            <a:off x="4358056" y="1975344"/>
+            <a:ext cx="6702669" cy="641838"/>
+          </a:xfrm>
+          <a:prstGeom prst="roundRect">
+            <a:avLst/>
+          </a:prstGeom>
+        </p:spPr>
+        <p:style>
+          <a:lnRef idx="2">
+            <a:schemeClr val="accent1">
+              <a:shade val="50000"/>
+            </a:schemeClr>
+          </a:lnRef>
+          <a:fillRef idx="1">
+            <a:schemeClr val="accent1"/>
+          </a:fillRef>
+          <a:effectRef idx="0">
+            <a:schemeClr val="accent1"/>
+          </a:effectRef>
+          <a:fontRef idx="minor">
+            <a:schemeClr val="lt1"/>
+          </a:fontRef>
+        </p:style>
+        <p:txBody>
+          <a:bodyPr rtlCol="0" anchor="ctr"/>
+          <a:lstStyle/>
+          <a:p>
+            <a:r>
+              <a:rPr lang="en-US" altLang="ko-KR" dirty="0" smtClean="0"/>
+              <a:t>User1:User2:User3:User5:User10</a:t>
+            </a:r>
+            <a:endParaRPr lang="ko-KR" altLang="en-US" dirty="0"/>
+          </a:p>
+        </p:txBody>
+      </p:sp>
+      <p:sp>
+        <p:nvSpPr>
+          <p:cNvPr id="15" name="모서리가 둥근 직사각형 14"/>
+          <p:cNvSpPr/>
+          <p:nvPr/>
+        </p:nvSpPr>
+        <p:spPr>
+          <a:xfrm>
+            <a:off x="2429610" y="2848713"/>
+            <a:ext cx="1617784" cy="641838"/>
+          </a:xfrm>
+          <a:prstGeom prst="roundRect">
+            <a:avLst/>
+          </a:prstGeom>
+        </p:spPr>
+        <p:style>
+          <a:lnRef idx="2">
+            <a:schemeClr val="accent1">
+              <a:shade val="50000"/>
+            </a:schemeClr>
+          </a:lnRef>
+          <a:fillRef idx="1">
+            <a:schemeClr val="accent1"/>
+          </a:fillRef>
+          <a:effectRef idx="0">
+            <a:schemeClr val="accent1"/>
+          </a:effectRef>
+          <a:fontRef idx="minor">
+            <a:schemeClr val="lt1"/>
+          </a:fontRef>
+        </p:style>
+        <p:txBody>
+          <a:bodyPr rtlCol="0" anchor="ctr"/>
+          <a:lstStyle/>
+          <a:p>
+            <a:pPr algn="ctr"/>
+            <a:r>
+              <a:rPr lang="en-US" altLang="ko-KR" dirty="0" err="1" smtClean="0"/>
+              <a:t>User_num</a:t>
+            </a:r>
+            <a:endParaRPr lang="ko-KR" altLang="en-US" dirty="0"/>
+          </a:p>
+        </p:txBody>
+      </p:sp>
+      <p:sp>
+        <p:nvSpPr>
+          <p:cNvPr id="16" name="모서리가 둥근 직사각형 15"/>
+          <p:cNvSpPr/>
+          <p:nvPr/>
+        </p:nvSpPr>
+        <p:spPr>
+          <a:xfrm>
+            <a:off x="4358056" y="2848713"/>
+            <a:ext cx="6702669" cy="641838"/>
+          </a:xfrm>
+          <a:prstGeom prst="roundRect">
+            <a:avLst/>
+          </a:prstGeom>
+        </p:spPr>
+        <p:style>
+          <a:lnRef idx="2">
+            <a:schemeClr val="accent1">
+              <a:shade val="50000"/>
+            </a:schemeClr>
+          </a:lnRef>
+          <a:fillRef idx="1">
+            <a:schemeClr val="accent1"/>
+          </a:fillRef>
+          <a:effectRef idx="0">
+            <a:schemeClr val="accent1"/>
+          </a:effectRef>
+          <a:fontRef idx="minor">
+            <a:schemeClr val="lt1"/>
+          </a:fontRef>
+        </p:style>
+        <p:txBody>
+          <a:bodyPr rtlCol="0" anchor="ctr"/>
+          <a:lstStyle/>
+          <a:p>
+            <a:r>
+              <a:rPr lang="en-US" altLang="ko-KR" dirty="0" smtClean="0"/>
+              <a:t>5</a:t>
+            </a:r>
+            <a:endParaRPr lang="ko-KR" altLang="en-US" dirty="0"/>
+          </a:p>
+        </p:txBody>
+      </p:sp>
+      <p:sp>
+        <p:nvSpPr>
+          <p:cNvPr id="17" name="모서리가 둥근 직사각형 16"/>
+          <p:cNvSpPr/>
+          <p:nvPr/>
+        </p:nvSpPr>
+        <p:spPr>
+          <a:xfrm>
+            <a:off x="2429610" y="3722082"/>
+            <a:ext cx="1617784" cy="641838"/>
+          </a:xfrm>
+          <a:prstGeom prst="roundRect">
+            <a:avLst/>
+          </a:prstGeom>
+        </p:spPr>
+        <p:style>
+          <a:lnRef idx="2">
+            <a:schemeClr val="accent1">
+              <a:shade val="50000"/>
+            </a:schemeClr>
+          </a:lnRef>
+          <a:fillRef idx="1">
+            <a:schemeClr val="accent1"/>
+          </a:fillRef>
+          <a:effectRef idx="0">
+            <a:schemeClr val="accent1"/>
+          </a:effectRef>
+          <a:fontRef idx="minor">
+            <a:schemeClr val="lt1"/>
+          </a:fontRef>
+        </p:style>
+        <p:txBody>
+          <a:bodyPr rtlCol="0" anchor="ctr"/>
+          <a:lstStyle/>
+          <a:p>
+            <a:pPr algn="ctr"/>
+            <a:r>
+              <a:rPr lang="en-US" altLang="ko-KR" dirty="0" smtClean="0"/>
+              <a:t>User1</a:t>
+            </a:r>
+            <a:endParaRPr lang="ko-KR" altLang="en-US" dirty="0"/>
+          </a:p>
+        </p:txBody>
+      </p:sp>
+      <p:sp>
+        <p:nvSpPr>
+          <p:cNvPr id="18" name="모서리가 둥근 직사각형 17"/>
+          <p:cNvSpPr/>
+          <p:nvPr/>
+        </p:nvSpPr>
+        <p:spPr>
+          <a:xfrm>
+            <a:off x="4358056" y="3722082"/>
+            <a:ext cx="6702669" cy="641838"/>
+          </a:xfrm>
+          <a:prstGeom prst="roundRect">
+            <a:avLst/>
+          </a:prstGeom>
+        </p:spPr>
+        <p:style>
+          <a:lnRef idx="2">
+            <a:schemeClr val="accent1">
+              <a:shade val="50000"/>
+            </a:schemeClr>
+          </a:lnRef>
+          <a:fillRef idx="1">
+            <a:schemeClr val="accent1"/>
+          </a:fillRef>
+          <a:effectRef idx="0">
+            <a:schemeClr val="accent1"/>
+          </a:effectRef>
+          <a:fontRef idx="minor">
+            <a:schemeClr val="lt1"/>
+          </a:fontRef>
+        </p:style>
+        <p:txBody>
+          <a:bodyPr rtlCol="0" anchor="ctr"/>
+          <a:lstStyle/>
+          <a:p>
+            <a:r>
+              <a:rPr lang="ko-KR" altLang="en-US" dirty="0" smtClean="0"/>
+              <a:t>닉네임</a:t>
+            </a:r>
+            <a:r>
+              <a:rPr lang="en-US" altLang="ko-KR" dirty="0" smtClean="0"/>
+              <a:t>:</a:t>
+            </a:r>
+            <a:r>
+              <a:rPr lang="ko-KR" altLang="en-US" dirty="0" smtClean="0"/>
+              <a:t>생일</a:t>
+            </a:r>
+            <a:r>
+              <a:rPr lang="en-US" altLang="ko-KR" dirty="0" smtClean="0"/>
+              <a:t>:</a:t>
+            </a:r>
+            <a:r>
+              <a:rPr lang="ko-KR" altLang="en-US" dirty="0" smtClean="0"/>
+              <a:t>상태</a:t>
+            </a:r>
+            <a:r>
+              <a:rPr lang="en-US" altLang="ko-KR" dirty="0" smtClean="0"/>
+              <a:t>:</a:t>
+            </a:r>
+            <a:r>
+              <a:rPr lang="ko-KR" altLang="en-US" dirty="0" err="1" smtClean="0"/>
+              <a:t>하차정류장</a:t>
+            </a:r>
+            <a:r>
+              <a:rPr lang="en-US" altLang="ko-KR" dirty="0" smtClean="0"/>
+              <a:t>:</a:t>
+            </a:r>
+            <a:r>
+              <a:rPr lang="en-US" altLang="ko-KR" dirty="0" err="1" smtClean="0"/>
+              <a:t>in_time:out_time</a:t>
+            </a:r>
+            <a:endParaRPr lang="ko-KR" altLang="en-US" dirty="0"/>
+          </a:p>
+        </p:txBody>
+      </p:sp>
+      <p:sp>
+        <p:nvSpPr>
+          <p:cNvPr id="19" name="모서리가 둥근 직사각형 18"/>
+          <p:cNvSpPr/>
+          <p:nvPr/>
+        </p:nvSpPr>
+        <p:spPr>
+          <a:xfrm>
+            <a:off x="2429610" y="4595451"/>
+            <a:ext cx="1617784" cy="641838"/>
+          </a:xfrm>
+          <a:prstGeom prst="roundRect">
+            <a:avLst/>
+          </a:prstGeom>
+        </p:spPr>
+        <p:style>
+          <a:lnRef idx="2">
+            <a:schemeClr val="accent1">
+              <a:shade val="50000"/>
+            </a:schemeClr>
+          </a:lnRef>
+          <a:fillRef idx="1">
+            <a:schemeClr val="accent1"/>
+          </a:fillRef>
+          <a:effectRef idx="0">
+            <a:schemeClr val="accent1"/>
+          </a:effectRef>
+          <a:fontRef idx="minor">
+            <a:schemeClr val="lt1"/>
+          </a:fontRef>
+        </p:style>
+        <p:txBody>
+          <a:bodyPr rtlCol="0" anchor="ctr"/>
+          <a:lstStyle/>
+          <a:p>
+            <a:pPr algn="ctr"/>
+            <a:r>
+              <a:rPr lang="en-US" altLang="ko-KR" dirty="0" smtClean="0"/>
+              <a:t>User2</a:t>
+            </a:r>
+            <a:endParaRPr lang="ko-KR" altLang="en-US" dirty="0"/>
+          </a:p>
+        </p:txBody>
+      </p:sp>
+      <p:sp>
+        <p:nvSpPr>
+          <p:cNvPr id="20" name="모서리가 둥근 직사각형 19"/>
+          <p:cNvSpPr/>
+          <p:nvPr/>
+        </p:nvSpPr>
+        <p:spPr>
+          <a:xfrm>
+            <a:off x="4358056" y="4595451"/>
+            <a:ext cx="6702669" cy="641838"/>
+          </a:xfrm>
+          <a:prstGeom prst="roundRect">
+            <a:avLst/>
+          </a:prstGeom>
+        </p:spPr>
+        <p:style>
+          <a:lnRef idx="2">
+            <a:schemeClr val="accent1">
+              <a:shade val="50000"/>
+            </a:schemeClr>
+          </a:lnRef>
+          <a:fillRef idx="1">
+            <a:schemeClr val="accent1"/>
+          </a:fillRef>
+          <a:effectRef idx="0">
+            <a:schemeClr val="accent1"/>
+          </a:effectRef>
+          <a:fontRef idx="minor">
+            <a:schemeClr val="lt1"/>
+          </a:fontRef>
+        </p:style>
+        <p:txBody>
+          <a:bodyPr rtlCol="0" anchor="ctr"/>
+          <a:lstStyle/>
+          <a:p>
+            <a:r>
+              <a:rPr lang="ko-KR" altLang="en-US" dirty="0" smtClean="0"/>
+              <a:t>닉네임</a:t>
+            </a:r>
+            <a:r>
+              <a:rPr lang="en-US" altLang="ko-KR" dirty="0" smtClean="0"/>
+              <a:t>:</a:t>
+            </a:r>
+            <a:r>
+              <a:rPr lang="ko-KR" altLang="en-US" dirty="0" smtClean="0"/>
+              <a:t>생일</a:t>
+            </a:r>
+            <a:r>
+              <a:rPr lang="en-US" altLang="ko-KR" dirty="0" smtClean="0"/>
+              <a:t>:</a:t>
+            </a:r>
+            <a:r>
+              <a:rPr lang="ko-KR" altLang="en-US" dirty="0" smtClean="0"/>
+              <a:t>상태</a:t>
+            </a:r>
+            <a:r>
+              <a:rPr lang="en-US" altLang="ko-KR" dirty="0" smtClean="0"/>
+              <a:t>:</a:t>
+            </a:r>
+            <a:r>
+              <a:rPr lang="ko-KR" altLang="en-US" dirty="0" err="1" smtClean="0"/>
+              <a:t>하차정류장</a:t>
+            </a:r>
+            <a:r>
+              <a:rPr lang="en-US" altLang="ko-KR" dirty="0" smtClean="0"/>
+              <a:t>:</a:t>
+            </a:r>
+            <a:r>
+              <a:rPr lang="en-US" altLang="ko-KR" dirty="0" err="1"/>
+              <a:t>in_time:out_time</a:t>
+            </a:r>
+            <a:endParaRPr lang="ko-KR" altLang="en-US" dirty="0"/>
+          </a:p>
+        </p:txBody>
+      </p:sp>
+      <p:sp>
+        <p:nvSpPr>
+          <p:cNvPr id="21" name="모서리가 둥근 직사각형 20"/>
+          <p:cNvSpPr/>
+          <p:nvPr/>
+        </p:nvSpPr>
+        <p:spPr>
+          <a:xfrm>
+            <a:off x="2429610" y="5817582"/>
+            <a:ext cx="1617784" cy="641838"/>
+          </a:xfrm>
+          <a:prstGeom prst="roundRect">
+            <a:avLst/>
+          </a:prstGeom>
+        </p:spPr>
+        <p:style>
+          <a:lnRef idx="2">
+            <a:schemeClr val="accent1">
+              <a:shade val="50000"/>
+            </a:schemeClr>
+          </a:lnRef>
+          <a:fillRef idx="1">
+            <a:schemeClr val="accent1"/>
+          </a:fillRef>
+          <a:effectRef idx="0">
+            <a:schemeClr val="accent1"/>
+          </a:effectRef>
+          <a:fontRef idx="minor">
+            <a:schemeClr val="lt1"/>
+          </a:fontRef>
+        </p:style>
+        <p:txBody>
+          <a:bodyPr rtlCol="0" anchor="ctr"/>
+          <a:lstStyle/>
+          <a:p>
+            <a:pPr algn="ctr"/>
+            <a:r>
+              <a:rPr lang="en-US" altLang="ko-KR" dirty="0" smtClean="0"/>
+              <a:t>User20</a:t>
+            </a:r>
+            <a:endParaRPr lang="ko-KR" altLang="en-US" dirty="0"/>
+          </a:p>
+        </p:txBody>
+      </p:sp>
+      <p:sp>
+        <p:nvSpPr>
+          <p:cNvPr id="22" name="모서리가 둥근 직사각형 21"/>
+          <p:cNvSpPr/>
+          <p:nvPr/>
+        </p:nvSpPr>
+        <p:spPr>
+          <a:xfrm>
+            <a:off x="4358056" y="5817582"/>
+            <a:ext cx="6702669" cy="641838"/>
+          </a:xfrm>
+          <a:prstGeom prst="roundRect">
+            <a:avLst/>
+          </a:prstGeom>
+        </p:spPr>
+        <p:style>
+          <a:lnRef idx="2">
+            <a:schemeClr val="accent1">
+              <a:shade val="50000"/>
+            </a:schemeClr>
+          </a:lnRef>
+          <a:fillRef idx="1">
+            <a:schemeClr val="accent1"/>
+          </a:fillRef>
+          <a:effectRef idx="0">
+            <a:schemeClr val="accent1"/>
+          </a:effectRef>
+          <a:fontRef idx="minor">
+            <a:schemeClr val="lt1"/>
+          </a:fontRef>
+        </p:style>
+        <p:txBody>
+          <a:bodyPr rtlCol="0" anchor="ctr"/>
+          <a:lstStyle/>
+          <a:p>
+            <a:r>
+              <a:rPr lang="ko-KR" altLang="en-US" dirty="0" smtClean="0"/>
+              <a:t>닉네임</a:t>
+            </a:r>
+            <a:r>
+              <a:rPr lang="en-US" altLang="ko-KR" dirty="0" smtClean="0"/>
+              <a:t>:</a:t>
+            </a:r>
+            <a:r>
+              <a:rPr lang="ko-KR" altLang="en-US" dirty="0" smtClean="0"/>
+              <a:t>생일</a:t>
+            </a:r>
+            <a:r>
+              <a:rPr lang="en-US" altLang="ko-KR" dirty="0" smtClean="0"/>
+              <a:t>:</a:t>
+            </a:r>
+            <a:r>
+              <a:rPr lang="ko-KR" altLang="en-US" dirty="0" smtClean="0"/>
+              <a:t>상태</a:t>
+            </a:r>
+            <a:r>
+              <a:rPr lang="en-US" altLang="ko-KR" dirty="0" smtClean="0"/>
+              <a:t>:</a:t>
+            </a:r>
+            <a:r>
+              <a:rPr lang="ko-KR" altLang="en-US" dirty="0" err="1" smtClean="0"/>
+              <a:t>하차정류장</a:t>
+            </a:r>
+            <a:r>
+              <a:rPr lang="en-US" altLang="ko-KR" dirty="0" smtClean="0"/>
+              <a:t>:</a:t>
+            </a:r>
+            <a:r>
+              <a:rPr lang="en-US" altLang="ko-KR" dirty="0" err="1"/>
+              <a:t>in_time:out_time</a:t>
+            </a:r>
+            <a:endParaRPr lang="ko-KR" altLang="en-US" dirty="0"/>
+          </a:p>
+        </p:txBody>
+      </p:sp>
+      <p:sp>
+        <p:nvSpPr>
+          <p:cNvPr id="23" name="타원 22"/>
+          <p:cNvSpPr/>
+          <p:nvPr/>
+        </p:nvSpPr>
+        <p:spPr>
+          <a:xfrm>
+            <a:off x="3086099" y="5627076"/>
+            <a:ext cx="169987" cy="167054"/>
+          </a:xfrm>
+          <a:prstGeom prst="ellipse">
+            <a:avLst/>
+          </a:prstGeom>
+        </p:spPr>
+        <p:style>
+          <a:lnRef idx="2">
+            <a:schemeClr val="accent1">
+              <a:shade val="50000"/>
+            </a:schemeClr>
+          </a:lnRef>
+          <a:fillRef idx="1">
+            <a:schemeClr val="accent1"/>
+          </a:fillRef>
+          <a:effectRef idx="0">
+            <a:schemeClr val="accent1"/>
+          </a:effectRef>
+          <a:fontRef idx="minor">
+            <a:schemeClr val="lt1"/>
+          </a:fontRef>
+        </p:style>
+        <p:txBody>
+          <a:bodyPr rtlCol="0" anchor="ctr"/>
+          <a:lstStyle/>
+          <a:p>
+            <a:pPr algn="ctr"/>
+            <a:endParaRPr lang="ko-KR" altLang="en-US"/>
+          </a:p>
+        </p:txBody>
+      </p:sp>
+      <p:sp>
+        <p:nvSpPr>
+          <p:cNvPr id="24" name="타원 23"/>
+          <p:cNvSpPr/>
+          <p:nvPr/>
+        </p:nvSpPr>
+        <p:spPr>
+          <a:xfrm>
+            <a:off x="3080241" y="5260731"/>
+            <a:ext cx="169987" cy="167054"/>
+          </a:xfrm>
+          <a:prstGeom prst="ellipse">
+            <a:avLst/>
+          </a:prstGeom>
+        </p:spPr>
+        <p:style>
+          <a:lnRef idx="2">
+            <a:schemeClr val="accent1">
+              <a:shade val="50000"/>
+            </a:schemeClr>
+          </a:lnRef>
+          <a:fillRef idx="1">
+            <a:schemeClr val="accent1"/>
+          </a:fillRef>
+          <a:effectRef idx="0">
+            <a:schemeClr val="accent1"/>
+          </a:effectRef>
+          <a:fontRef idx="minor">
+            <a:schemeClr val="lt1"/>
+          </a:fontRef>
+        </p:style>
+        <p:txBody>
+          <a:bodyPr rtlCol="0" anchor="ctr"/>
+          <a:lstStyle/>
+          <a:p>
+            <a:pPr algn="ctr"/>
+            <a:endParaRPr lang="ko-KR" altLang="en-US"/>
+          </a:p>
+        </p:txBody>
+      </p:sp>
+      <p:sp>
+        <p:nvSpPr>
+          <p:cNvPr id="25" name="타원 24"/>
+          <p:cNvSpPr/>
+          <p:nvPr/>
+        </p:nvSpPr>
+        <p:spPr>
+          <a:xfrm>
+            <a:off x="3080241" y="5445371"/>
+            <a:ext cx="169987" cy="167054"/>
+          </a:xfrm>
+          <a:prstGeom prst="ellipse">
+            <a:avLst/>
+          </a:prstGeom>
+        </p:spPr>
+        <p:style>
+          <a:lnRef idx="2">
+            <a:schemeClr val="accent1">
+              <a:shade val="50000"/>
+            </a:schemeClr>
+          </a:lnRef>
+          <a:fillRef idx="1">
+            <a:schemeClr val="accent1"/>
+          </a:fillRef>
+          <a:effectRef idx="0">
+            <a:schemeClr val="accent1"/>
+          </a:effectRef>
+          <a:fontRef idx="minor">
+            <a:schemeClr val="lt1"/>
+          </a:fontRef>
+        </p:style>
+        <p:txBody>
+          <a:bodyPr rtlCol="0" anchor="ctr"/>
+          <a:lstStyle/>
+          <a:p>
+            <a:pPr algn="ctr"/>
+            <a:endParaRPr lang="ko-KR" altLang="en-US"/>
+          </a:p>
+        </p:txBody>
+      </p:sp>
+    </p:spTree>
+    <p:extLst>
+      <p:ext uri="{BB962C8B-B14F-4D97-AF65-F5344CB8AC3E}">
+        <p14:creationId xmlns:p14="http://schemas.microsoft.com/office/powerpoint/2010/main" val="3126050935"/>
+      </p:ext>
+    </p:extLst>
+  </p:cSld>
+  <p:clrMapOvr>
+    <a:masterClrMapping/>
+  </p:clrMapOvr>
+</p:sld>
+</file>
+
+<file path=ppt/slides/slide15.xml><?xml version="1.0" encoding="utf-8"?>
+<p:sld xmlns:a="http://schemas.openxmlformats.org/drawingml/2006/main" xmlns:r="http://schemas.openxmlformats.org/officeDocument/2006/relationships" xmlns:p="http://schemas.openxmlformats.org/presentationml/2006/main">
+  <p:cSld>
+    <p:spTree>
+      <p:nvGrpSpPr>
+        <p:cNvPr id="1" name=""/>
+        <p:cNvGrpSpPr/>
+        <p:nvPr/>
+      </p:nvGrpSpPr>
+      <p:grpSpPr>
+        <a:xfrm>
+          <a:off x="0" y="0"/>
+          <a:ext cx="0" cy="0"/>
+          <a:chOff x="0" y="0"/>
+          <a:chExt cx="0" cy="0"/>
+        </a:xfrm>
+      </p:grpSpPr>
+      <p:sp>
+        <p:nvSpPr>
+          <p:cNvPr id="4" name="모서리가 둥근 직사각형 3"/>
+          <p:cNvSpPr/>
+          <p:nvPr/>
+        </p:nvSpPr>
+        <p:spPr>
+          <a:xfrm>
+            <a:off x="87923" y="1723293"/>
+            <a:ext cx="1837591" cy="641838"/>
+          </a:xfrm>
+          <a:prstGeom prst="roundRect">
+            <a:avLst/>
+          </a:prstGeom>
+        </p:spPr>
+        <p:style>
+          <a:lnRef idx="2">
+            <a:schemeClr val="accent1">
+              <a:shade val="50000"/>
+            </a:schemeClr>
+          </a:lnRef>
+          <a:fillRef idx="1">
+            <a:schemeClr val="accent1"/>
+          </a:fillRef>
+          <a:effectRef idx="0">
+            <a:schemeClr val="accent1"/>
+          </a:effectRef>
+          <a:fontRef idx="minor">
+            <a:schemeClr val="lt1"/>
+          </a:fontRef>
+        </p:style>
+        <p:txBody>
+          <a:bodyPr rtlCol="0" anchor="ctr"/>
+          <a:lstStyle/>
+          <a:p>
+            <a:pPr algn="ctr"/>
+            <a:r>
+              <a:rPr lang="ko-KR" altLang="en-US" dirty="0" err="1" smtClean="0"/>
+              <a:t>채팅방</a:t>
+            </a:r>
+            <a:r>
+              <a:rPr lang="en-US" altLang="ko-KR" dirty="0" smtClean="0"/>
+              <a:t>_</a:t>
+            </a:r>
+            <a:r>
+              <a:rPr lang="en-US" altLang="ko-KR" dirty="0" err="1" smtClean="0"/>
+              <a:t>id_chat</a:t>
+            </a:r>
+            <a:endParaRPr lang="ko-KR" altLang="en-US" dirty="0"/>
+          </a:p>
+        </p:txBody>
+      </p:sp>
+      <p:sp>
+        <p:nvSpPr>
+          <p:cNvPr id="7" name="모서리가 둥근 직사각형 6"/>
+          <p:cNvSpPr/>
+          <p:nvPr/>
+        </p:nvSpPr>
+        <p:spPr>
+          <a:xfrm>
+            <a:off x="2420816" y="852860"/>
+            <a:ext cx="2265483" cy="641838"/>
+          </a:xfrm>
+          <a:prstGeom prst="roundRect">
+            <a:avLst/>
+          </a:prstGeom>
+        </p:spPr>
+        <p:style>
+          <a:lnRef idx="2">
+            <a:schemeClr val="accent1">
+              <a:shade val="50000"/>
+            </a:schemeClr>
+          </a:lnRef>
+          <a:fillRef idx="1">
+            <a:schemeClr val="accent1"/>
+          </a:fillRef>
+          <a:effectRef idx="0">
+            <a:schemeClr val="accent1"/>
+          </a:effectRef>
+          <a:fontRef idx="minor">
+            <a:schemeClr val="lt1"/>
+          </a:fontRef>
+        </p:style>
+        <p:txBody>
+          <a:bodyPr rtlCol="0" anchor="ctr"/>
+          <a:lstStyle/>
+          <a:p>
+            <a:pPr algn="ctr"/>
+            <a:r>
+              <a:rPr lang="en-US" altLang="ko-KR" dirty="0" smtClean="0"/>
+              <a:t>User1:Created_date</a:t>
+            </a:r>
+            <a:endParaRPr lang="ko-KR" altLang="en-US" dirty="0"/>
+          </a:p>
+        </p:txBody>
+      </p:sp>
+      <p:sp>
+        <p:nvSpPr>
+          <p:cNvPr id="8" name="모서리가 둥근 직사각형 7"/>
+          <p:cNvSpPr/>
+          <p:nvPr/>
+        </p:nvSpPr>
+        <p:spPr>
+          <a:xfrm>
+            <a:off x="5134708" y="852860"/>
+            <a:ext cx="5917224" cy="641838"/>
+          </a:xfrm>
+          <a:prstGeom prst="roundRect">
+            <a:avLst/>
+          </a:prstGeom>
+        </p:spPr>
+        <p:style>
+          <a:lnRef idx="2">
+            <a:schemeClr val="accent1">
+              <a:shade val="50000"/>
+            </a:schemeClr>
+          </a:lnRef>
+          <a:fillRef idx="1">
+            <a:schemeClr val="accent1"/>
+          </a:fillRef>
+          <a:effectRef idx="0">
+            <a:schemeClr val="accent1"/>
+          </a:effectRef>
+          <a:fontRef idx="minor">
+            <a:schemeClr val="lt1"/>
+          </a:fontRef>
+        </p:style>
+        <p:txBody>
+          <a:bodyPr rtlCol="0" anchor="ctr"/>
+          <a:lstStyle/>
+          <a:p>
+            <a:r>
+              <a:rPr lang="en-US" altLang="ko-KR" dirty="0" err="1" smtClean="0"/>
+              <a:t>Chat:like</a:t>
+            </a:r>
+            <a:endParaRPr lang="ko-KR" altLang="en-US" dirty="0"/>
+          </a:p>
+        </p:txBody>
+      </p:sp>
+      <p:sp>
+        <p:nvSpPr>
+          <p:cNvPr id="9" name="모서리가 둥근 직사각형 8"/>
+          <p:cNvSpPr/>
+          <p:nvPr/>
+        </p:nvSpPr>
+        <p:spPr>
+          <a:xfrm>
+            <a:off x="2420816" y="1723293"/>
+            <a:ext cx="2265483" cy="641838"/>
+          </a:xfrm>
+          <a:prstGeom prst="roundRect">
+            <a:avLst/>
+          </a:prstGeom>
+        </p:spPr>
+        <p:style>
+          <a:lnRef idx="2">
+            <a:schemeClr val="accent1">
+              <a:shade val="50000"/>
+            </a:schemeClr>
+          </a:lnRef>
+          <a:fillRef idx="1">
+            <a:schemeClr val="accent1"/>
+          </a:fillRef>
+          <a:effectRef idx="0">
+            <a:schemeClr val="accent1"/>
+          </a:effectRef>
+          <a:fontRef idx="minor">
+            <a:schemeClr val="lt1"/>
+          </a:fontRef>
+        </p:style>
+        <p:txBody>
+          <a:bodyPr rtlCol="0" anchor="ctr"/>
+          <a:lstStyle/>
+          <a:p>
+            <a:pPr algn="ctr"/>
+            <a:r>
+              <a:rPr lang="en-US" altLang="ko-KR" dirty="0" smtClean="0"/>
+              <a:t>User2:Created_date</a:t>
+            </a:r>
+            <a:endParaRPr lang="ko-KR" altLang="en-US" dirty="0"/>
+          </a:p>
+        </p:txBody>
+      </p:sp>
+      <p:sp>
+        <p:nvSpPr>
+          <p:cNvPr id="10" name="모서리가 둥근 직사각형 9"/>
+          <p:cNvSpPr/>
+          <p:nvPr/>
+        </p:nvSpPr>
+        <p:spPr>
+          <a:xfrm>
+            <a:off x="5134708" y="1723293"/>
+            <a:ext cx="5917224" cy="641838"/>
+          </a:xfrm>
+          <a:prstGeom prst="roundRect">
+            <a:avLst/>
+          </a:prstGeom>
+        </p:spPr>
+        <p:style>
+          <a:lnRef idx="2">
+            <a:schemeClr val="accent1">
+              <a:shade val="50000"/>
+            </a:schemeClr>
+          </a:lnRef>
+          <a:fillRef idx="1">
+            <a:schemeClr val="accent1"/>
+          </a:fillRef>
+          <a:effectRef idx="0">
+            <a:schemeClr val="accent1"/>
+          </a:effectRef>
+          <a:fontRef idx="minor">
+            <a:schemeClr val="lt1"/>
+          </a:fontRef>
+        </p:style>
+        <p:txBody>
+          <a:bodyPr rtlCol="0" anchor="ctr"/>
+          <a:lstStyle/>
+          <a:p>
+            <a:r>
+              <a:rPr lang="en-US" altLang="ko-KR" dirty="0" err="1" smtClean="0"/>
+              <a:t>Chat:like</a:t>
+            </a:r>
+            <a:endParaRPr lang="ko-KR" altLang="en-US" dirty="0"/>
+          </a:p>
+        </p:txBody>
+      </p:sp>
+      <p:sp>
+        <p:nvSpPr>
+          <p:cNvPr id="15" name="모서리가 둥근 직사각형 14"/>
+          <p:cNvSpPr/>
+          <p:nvPr/>
+        </p:nvSpPr>
+        <p:spPr>
+          <a:xfrm>
+            <a:off x="2420816" y="2593726"/>
+            <a:ext cx="2265483" cy="641838"/>
+          </a:xfrm>
+          <a:prstGeom prst="roundRect">
+            <a:avLst/>
+          </a:prstGeom>
+        </p:spPr>
+        <p:style>
+          <a:lnRef idx="2">
+            <a:schemeClr val="accent1">
+              <a:shade val="50000"/>
+            </a:schemeClr>
+          </a:lnRef>
+          <a:fillRef idx="1">
+            <a:schemeClr val="accent1"/>
+          </a:fillRef>
+          <a:effectRef idx="0">
+            <a:schemeClr val="accent1"/>
+          </a:effectRef>
+          <a:fontRef idx="minor">
+            <a:schemeClr val="lt1"/>
+          </a:fontRef>
+        </p:style>
+        <p:txBody>
+          <a:bodyPr rtlCol="0" anchor="ctr"/>
+          <a:lstStyle/>
+          <a:p>
+            <a:pPr algn="ctr"/>
+            <a:r>
+              <a:rPr lang="en-US" altLang="ko-KR" dirty="0" smtClean="0"/>
+              <a:t>User1:Created_date</a:t>
+            </a:r>
+            <a:endParaRPr lang="ko-KR" altLang="en-US" dirty="0"/>
+          </a:p>
+        </p:txBody>
+      </p:sp>
+      <p:sp>
+        <p:nvSpPr>
+          <p:cNvPr id="16" name="모서리가 둥근 직사각형 15"/>
+          <p:cNvSpPr/>
+          <p:nvPr/>
+        </p:nvSpPr>
+        <p:spPr>
+          <a:xfrm>
+            <a:off x="5134708" y="2593726"/>
+            <a:ext cx="5917224" cy="641838"/>
+          </a:xfrm>
+          <a:prstGeom prst="roundRect">
+            <a:avLst/>
+          </a:prstGeom>
+        </p:spPr>
+        <p:style>
+          <a:lnRef idx="2">
+            <a:schemeClr val="accent1">
+              <a:shade val="50000"/>
+            </a:schemeClr>
+          </a:lnRef>
+          <a:fillRef idx="1">
+            <a:schemeClr val="accent1"/>
+          </a:fillRef>
+          <a:effectRef idx="0">
+            <a:schemeClr val="accent1"/>
+          </a:effectRef>
+          <a:fontRef idx="minor">
+            <a:schemeClr val="lt1"/>
+          </a:fontRef>
+        </p:style>
+        <p:txBody>
+          <a:bodyPr rtlCol="0" anchor="ctr"/>
+          <a:lstStyle/>
+          <a:p>
+            <a:r>
+              <a:rPr lang="en-US" altLang="ko-KR" dirty="0" err="1" smtClean="0"/>
+              <a:t>Chat:like</a:t>
+            </a:r>
+            <a:endParaRPr lang="ko-KR" altLang="en-US" dirty="0"/>
+          </a:p>
+        </p:txBody>
+      </p:sp>
+      <p:sp>
+        <p:nvSpPr>
+          <p:cNvPr id="17" name="타원 16"/>
+          <p:cNvSpPr/>
+          <p:nvPr/>
+        </p:nvSpPr>
+        <p:spPr>
+          <a:xfrm>
+            <a:off x="3367453" y="3746977"/>
+            <a:ext cx="169987" cy="167054"/>
+          </a:xfrm>
+          <a:prstGeom prst="ellipse">
+            <a:avLst/>
+          </a:prstGeom>
+        </p:spPr>
+        <p:style>
+          <a:lnRef idx="2">
+            <a:schemeClr val="accent1">
+              <a:shade val="50000"/>
+            </a:schemeClr>
+          </a:lnRef>
+          <a:fillRef idx="1">
+            <a:schemeClr val="accent1"/>
+          </a:fillRef>
+          <a:effectRef idx="0">
+            <a:schemeClr val="accent1"/>
+          </a:effectRef>
+          <a:fontRef idx="minor">
+            <a:schemeClr val="lt1"/>
+          </a:fontRef>
+        </p:style>
+        <p:txBody>
+          <a:bodyPr rtlCol="0" anchor="ctr"/>
+          <a:lstStyle/>
+          <a:p>
+            <a:pPr algn="ctr"/>
+            <a:endParaRPr lang="ko-KR" altLang="en-US"/>
+          </a:p>
+        </p:txBody>
+      </p:sp>
+      <p:sp>
+        <p:nvSpPr>
+          <p:cNvPr id="18" name="타원 17"/>
+          <p:cNvSpPr/>
+          <p:nvPr/>
+        </p:nvSpPr>
+        <p:spPr>
+          <a:xfrm>
+            <a:off x="3361595" y="3380632"/>
+            <a:ext cx="169987" cy="167054"/>
+          </a:xfrm>
+          <a:prstGeom prst="ellipse">
+            <a:avLst/>
+          </a:prstGeom>
+        </p:spPr>
+        <p:style>
+          <a:lnRef idx="2">
+            <a:schemeClr val="accent1">
+              <a:shade val="50000"/>
+            </a:schemeClr>
+          </a:lnRef>
+          <a:fillRef idx="1">
+            <a:schemeClr val="accent1"/>
+          </a:fillRef>
+          <a:effectRef idx="0">
+            <a:schemeClr val="accent1"/>
+          </a:effectRef>
+          <a:fontRef idx="minor">
+            <a:schemeClr val="lt1"/>
+          </a:fontRef>
+        </p:style>
+        <p:txBody>
+          <a:bodyPr rtlCol="0" anchor="ctr"/>
+          <a:lstStyle/>
+          <a:p>
+            <a:pPr algn="ctr"/>
+            <a:endParaRPr lang="ko-KR" altLang="en-US"/>
+          </a:p>
+        </p:txBody>
+      </p:sp>
+      <p:sp>
+        <p:nvSpPr>
+          <p:cNvPr id="19" name="타원 18"/>
+          <p:cNvSpPr/>
+          <p:nvPr/>
+        </p:nvSpPr>
+        <p:spPr>
+          <a:xfrm>
+            <a:off x="3361595" y="3565272"/>
+            <a:ext cx="169987" cy="167054"/>
+          </a:xfrm>
+          <a:prstGeom prst="ellipse">
+            <a:avLst/>
+          </a:prstGeom>
+        </p:spPr>
+        <p:style>
+          <a:lnRef idx="2">
+            <a:schemeClr val="accent1">
+              <a:shade val="50000"/>
+            </a:schemeClr>
+          </a:lnRef>
+          <a:fillRef idx="1">
+            <a:schemeClr val="accent1"/>
+          </a:fillRef>
+          <a:effectRef idx="0">
+            <a:schemeClr val="accent1"/>
+          </a:effectRef>
+          <a:fontRef idx="minor">
+            <a:schemeClr val="lt1"/>
+          </a:fontRef>
+        </p:style>
+        <p:txBody>
+          <a:bodyPr rtlCol="0" anchor="ctr"/>
+          <a:lstStyle/>
+          <a:p>
+            <a:pPr algn="ctr"/>
+            <a:endParaRPr lang="ko-KR" altLang="en-US"/>
+          </a:p>
+        </p:txBody>
+      </p:sp>
+      <p:sp>
+        <p:nvSpPr>
+          <p:cNvPr id="20" name="모서리가 둥근 직사각형 19"/>
+          <p:cNvSpPr/>
+          <p:nvPr/>
+        </p:nvSpPr>
+        <p:spPr>
+          <a:xfrm>
+            <a:off x="2423751" y="4012223"/>
+            <a:ext cx="2265483" cy="641838"/>
+          </a:xfrm>
+          <a:prstGeom prst="roundRect">
+            <a:avLst/>
+          </a:prstGeom>
+        </p:spPr>
+        <p:style>
+          <a:lnRef idx="2">
+            <a:schemeClr val="accent1">
+              <a:shade val="50000"/>
+            </a:schemeClr>
+          </a:lnRef>
+          <a:fillRef idx="1">
+            <a:schemeClr val="accent1"/>
+          </a:fillRef>
+          <a:effectRef idx="0">
+            <a:schemeClr val="accent1"/>
+          </a:effectRef>
+          <a:fontRef idx="minor">
+            <a:schemeClr val="lt1"/>
+          </a:fontRef>
+        </p:style>
+        <p:txBody>
+          <a:bodyPr rtlCol="0" anchor="ctr"/>
+          <a:lstStyle/>
+          <a:p>
+            <a:pPr algn="ctr"/>
+            <a:r>
+              <a:rPr lang="en-US" altLang="ko-KR" dirty="0" smtClean="0"/>
+              <a:t>User1:Created_date</a:t>
+            </a:r>
+            <a:endParaRPr lang="ko-KR" altLang="en-US" dirty="0"/>
+          </a:p>
+        </p:txBody>
+      </p:sp>
+      <p:sp>
+        <p:nvSpPr>
+          <p:cNvPr id="21" name="모서리가 둥근 직사각형 20"/>
+          <p:cNvSpPr/>
+          <p:nvPr/>
+        </p:nvSpPr>
+        <p:spPr>
+          <a:xfrm>
+            <a:off x="5137643" y="4012223"/>
+            <a:ext cx="5917224" cy="641838"/>
+          </a:xfrm>
+          <a:prstGeom prst="roundRect">
+            <a:avLst/>
+          </a:prstGeom>
+        </p:spPr>
+        <p:style>
+          <a:lnRef idx="2">
+            <a:schemeClr val="accent1">
+              <a:shade val="50000"/>
+            </a:schemeClr>
+          </a:lnRef>
+          <a:fillRef idx="1">
+            <a:schemeClr val="accent1"/>
+          </a:fillRef>
+          <a:effectRef idx="0">
+            <a:schemeClr val="accent1"/>
+          </a:effectRef>
+          <a:fontRef idx="minor">
+            <a:schemeClr val="lt1"/>
+          </a:fontRef>
+        </p:style>
+        <p:txBody>
+          <a:bodyPr rtlCol="0" anchor="ctr"/>
+          <a:lstStyle/>
+          <a:p>
+            <a:r>
+              <a:rPr lang="en-US" altLang="ko-KR" dirty="0" err="1" smtClean="0"/>
+              <a:t>Chat:like</a:t>
+            </a:r>
+            <a:endParaRPr lang="ko-KR" altLang="en-US" dirty="0"/>
+          </a:p>
+        </p:txBody>
+      </p:sp>
+    </p:spTree>
+    <p:extLst>
+      <p:ext uri="{BB962C8B-B14F-4D97-AF65-F5344CB8AC3E}">
+        <p14:creationId xmlns:p14="http://schemas.microsoft.com/office/powerpoint/2010/main" val="3211407338"/>
+      </p:ext>
+    </p:extLst>
+  </p:cSld>
+  <p:clrMapOvr>
+    <a:masterClrMapping/>
+  </p:clrMapOvr>
+</p:sld>
+</file>
+
+<file path=ppt/slides/slide16.xml><?xml version="1.0" encoding="utf-8"?>
+<p:sld xmlns:a="http://schemas.openxmlformats.org/drawingml/2006/main" xmlns:r="http://schemas.openxmlformats.org/officeDocument/2006/relationships" xmlns:p="http://schemas.openxmlformats.org/presentationml/2006/main">
+  <p:cSld>
+    <p:spTree>
+      <p:nvGrpSpPr>
+        <p:cNvPr id="1" name=""/>
+        <p:cNvGrpSpPr/>
+        <p:nvPr/>
+      </p:nvGrpSpPr>
+      <p:grpSpPr>
+        <a:xfrm>
+          <a:off x="0" y="0"/>
+          <a:ext cx="0" cy="0"/>
+          <a:chOff x="0" y="0"/>
+          <a:chExt cx="0" cy="0"/>
+        </a:xfrm>
+      </p:grpSpPr>
+      <p:sp>
+        <p:nvSpPr>
+          <p:cNvPr id="2" name="제목 1"/>
+          <p:cNvSpPr>
+            <a:spLocks noGrp="1"/>
+          </p:cNvSpPr>
+          <p:nvPr>
+            <p:ph type="title"/>
+          </p:nvPr>
+        </p:nvSpPr>
+        <p:spPr/>
+        <p:txBody>
+          <a:bodyPr>
+            <a:normAutofit/>
+          </a:bodyPr>
+          <a:lstStyle/>
+          <a:p>
+            <a:r>
+              <a:rPr lang="en-US" altLang="ko-KR" sz="4000" dirty="0"/>
+              <a:t>1</a:t>
+            </a:r>
+            <a:r>
+              <a:rPr lang="ko-KR" altLang="en-US" sz="4000" dirty="0"/>
+              <a:t>분마다 공공데이터에서 버스 정보 </a:t>
+            </a:r>
+            <a:r>
+              <a:rPr lang="ko-KR" altLang="en-US" sz="4000" dirty="0" smtClean="0"/>
+              <a:t>가져옴</a:t>
+            </a:r>
+            <a:endParaRPr lang="ko-KR" altLang="en-US" dirty="0"/>
+          </a:p>
+        </p:txBody>
+      </p:sp>
+      <p:sp>
+        <p:nvSpPr>
+          <p:cNvPr id="3" name="내용 개체 틀 2"/>
+          <p:cNvSpPr>
+            <a:spLocks noGrp="1"/>
+          </p:cNvSpPr>
+          <p:nvPr>
+            <p:ph idx="1"/>
+          </p:nvPr>
+        </p:nvSpPr>
+        <p:spPr/>
+        <p:txBody>
+          <a:bodyPr/>
+          <a:lstStyle/>
+          <a:p>
+            <a:r>
+              <a:rPr lang="ko-KR" altLang="en-US" dirty="0" smtClean="0"/>
+              <a:t>버스 </a:t>
+            </a:r>
+            <a:r>
+              <a:rPr lang="en-US" altLang="ko-KR" dirty="0" smtClean="0"/>
+              <a:t>id(</a:t>
+            </a:r>
+            <a:r>
+              <a:rPr lang="ko-KR" altLang="en-US" dirty="0" err="1" smtClean="0"/>
+              <a:t>자바단에서</a:t>
+            </a:r>
+            <a:r>
+              <a:rPr lang="ko-KR" altLang="en-US" dirty="0" smtClean="0"/>
+              <a:t> 직접 생성</a:t>
+            </a:r>
+            <a:r>
+              <a:rPr lang="en-US" altLang="ko-KR" dirty="0" smtClean="0"/>
+              <a:t>)  - KEY</a:t>
+            </a:r>
+          </a:p>
+          <a:p>
+            <a:r>
+              <a:rPr lang="en-US" altLang="ko-KR" dirty="0" err="1" smtClean="0"/>
+              <a:t>License_no</a:t>
+            </a:r>
+            <a:r>
+              <a:rPr lang="en-US" altLang="ko-KR" dirty="0" smtClean="0"/>
+              <a:t> </a:t>
+            </a:r>
+            <a:r>
+              <a:rPr lang="ko-KR" altLang="en-US" dirty="0" smtClean="0"/>
+              <a:t>버스 차량번호</a:t>
+            </a:r>
+            <a:endParaRPr lang="en-US" altLang="ko-KR" dirty="0" smtClean="0"/>
+          </a:p>
+          <a:p>
+            <a:r>
+              <a:rPr lang="en-US" altLang="ko-KR" dirty="0" err="1" smtClean="0"/>
+              <a:t>Route_id</a:t>
+            </a:r>
+            <a:r>
+              <a:rPr lang="en-US" altLang="ko-KR" dirty="0" smtClean="0"/>
+              <a:t> </a:t>
+            </a:r>
+            <a:r>
+              <a:rPr lang="ko-KR" altLang="en-US" dirty="0" smtClean="0"/>
+              <a:t>노선 </a:t>
+            </a:r>
+            <a:r>
+              <a:rPr lang="en-US" altLang="ko-KR" dirty="0" smtClean="0"/>
+              <a:t>id</a:t>
+            </a:r>
+          </a:p>
+          <a:p>
+            <a:r>
+              <a:rPr lang="en-US" altLang="ko-KR" dirty="0" err="1" smtClean="0"/>
+              <a:t>Lat</a:t>
+            </a:r>
+            <a:r>
+              <a:rPr lang="en-US" altLang="ko-KR" dirty="0" smtClean="0"/>
+              <a:t> </a:t>
+            </a:r>
+            <a:r>
+              <a:rPr lang="ko-KR" altLang="en-US" dirty="0" smtClean="0"/>
+              <a:t>위도</a:t>
+            </a:r>
+            <a:endParaRPr lang="en-US" altLang="ko-KR" dirty="0" smtClean="0"/>
+          </a:p>
+          <a:p>
+            <a:r>
+              <a:rPr lang="en-US" altLang="ko-KR" dirty="0" err="1" smtClean="0"/>
+              <a:t>Lng</a:t>
+            </a:r>
+            <a:r>
+              <a:rPr lang="en-US" altLang="ko-KR" dirty="0" smtClean="0"/>
+              <a:t> </a:t>
+            </a:r>
+            <a:r>
+              <a:rPr lang="ko-KR" altLang="en-US" dirty="0" smtClean="0"/>
+              <a:t>경도</a:t>
+            </a:r>
+            <a:endParaRPr lang="en-US" altLang="ko-KR" dirty="0" smtClean="0"/>
+          </a:p>
+          <a:p>
+            <a:r>
+              <a:rPr lang="en-US" altLang="ko-KR" dirty="0" err="1" smtClean="0"/>
+              <a:t>Last_modified_date</a:t>
+            </a:r>
+            <a:r>
+              <a:rPr lang="en-US" altLang="ko-KR" dirty="0" smtClean="0"/>
+              <a:t> </a:t>
+            </a:r>
+            <a:r>
+              <a:rPr lang="ko-KR" altLang="en-US" dirty="0" smtClean="0"/>
+              <a:t>마지막으로 버스 위치 갱신한 시각</a:t>
+            </a:r>
+            <a:endParaRPr lang="en-US" altLang="ko-KR" dirty="0" smtClean="0"/>
+          </a:p>
+          <a:p>
+            <a:r>
+              <a:rPr lang="en-US" altLang="ko-KR" dirty="0" err="1" smtClean="0"/>
+              <a:t>Created_date</a:t>
+            </a:r>
+            <a:r>
+              <a:rPr lang="en-US" altLang="ko-KR" dirty="0" smtClean="0"/>
+              <a:t> </a:t>
+            </a:r>
+            <a:r>
+              <a:rPr lang="ko-KR" altLang="en-US" dirty="0" smtClean="0"/>
+              <a:t>데이터 생성 일자</a:t>
+            </a:r>
+            <a:endParaRPr lang="ko-KR" altLang="en-US" dirty="0"/>
+          </a:p>
+        </p:txBody>
+      </p:sp>
+    </p:spTree>
+    <p:extLst>
+      <p:ext uri="{BB962C8B-B14F-4D97-AF65-F5344CB8AC3E}">
+        <p14:creationId xmlns:p14="http://schemas.microsoft.com/office/powerpoint/2010/main" val="2849710558"/>
+      </p:ext>
+    </p:extLst>
+  </p:cSld>
+  <p:clrMapOvr>
+    <a:masterClrMapping/>
+  </p:clrMapOvr>
+</p:sld>
+</file>
+
+<file path=ppt/slides/slide17.xml><?xml version="1.0" encoding="utf-8"?>
+<p:sld xmlns:a="http://schemas.openxmlformats.org/drawingml/2006/main" xmlns:r="http://schemas.openxmlformats.org/officeDocument/2006/relationships" xmlns:p="http://schemas.openxmlformats.org/presentationml/2006/main">
+  <p:cSld>
+    <p:spTree>
+      <p:nvGrpSpPr>
+        <p:cNvPr id="1" name=""/>
+        <p:cNvGrpSpPr/>
+        <p:nvPr/>
+      </p:nvGrpSpPr>
+      <p:grpSpPr>
+        <a:xfrm>
+          <a:off x="0" y="0"/>
+          <a:ext cx="0" cy="0"/>
+          <a:chOff x="0" y="0"/>
+          <a:chExt cx="0" cy="0"/>
+        </a:xfrm>
+      </p:grpSpPr>
+      <p:sp>
+        <p:nvSpPr>
+          <p:cNvPr id="2" name="제목 1"/>
+          <p:cNvSpPr>
+            <a:spLocks noGrp="1"/>
+          </p:cNvSpPr>
+          <p:nvPr>
+            <p:ph type="title"/>
+          </p:nvPr>
+        </p:nvSpPr>
+        <p:spPr/>
+        <p:txBody>
+          <a:bodyPr>
+            <a:normAutofit/>
+          </a:bodyPr>
+          <a:lstStyle/>
+          <a:p>
+            <a:r>
+              <a:rPr lang="ko-KR" altLang="en-US" sz="2800" dirty="0"/>
+              <a:t>새로운 버스가 생기면 그 버스의 </a:t>
+            </a:r>
+            <a:r>
+              <a:rPr lang="ko-KR" altLang="en-US" sz="2800" dirty="0" err="1"/>
+              <a:t>차량번호에</a:t>
+            </a:r>
+            <a:r>
+              <a:rPr lang="ko-KR" altLang="en-US" sz="2800" dirty="0"/>
+              <a:t> 맞춰서 </a:t>
+            </a:r>
+            <a:r>
+              <a:rPr lang="ko-KR" altLang="en-US" sz="2800" dirty="0" err="1"/>
+              <a:t>채팅방</a:t>
+            </a:r>
+            <a:r>
+              <a:rPr lang="ko-KR" altLang="en-US" sz="2800" dirty="0"/>
+              <a:t> </a:t>
+            </a:r>
+            <a:r>
+              <a:rPr lang="ko-KR" altLang="en-US" sz="2800" dirty="0" smtClean="0"/>
+              <a:t>생성</a:t>
+            </a:r>
+            <a:endParaRPr lang="ko-KR" altLang="en-US" sz="2800" dirty="0"/>
+          </a:p>
+        </p:txBody>
+      </p:sp>
+      <p:sp>
+        <p:nvSpPr>
+          <p:cNvPr id="3" name="내용 개체 틀 2"/>
+          <p:cNvSpPr>
+            <a:spLocks noGrp="1"/>
+          </p:cNvSpPr>
+          <p:nvPr>
+            <p:ph idx="1"/>
+          </p:nvPr>
+        </p:nvSpPr>
+        <p:spPr/>
+        <p:txBody>
+          <a:bodyPr/>
+          <a:lstStyle/>
+          <a:p>
+            <a:r>
+              <a:rPr lang="en-US" altLang="ko-KR" dirty="0" smtClean="0"/>
+              <a:t>id </a:t>
+            </a:r>
+            <a:r>
+              <a:rPr lang="ko-KR" altLang="en-US" dirty="0" err="1" smtClean="0"/>
+              <a:t>채팅방</a:t>
+            </a:r>
+            <a:r>
+              <a:rPr lang="ko-KR" altLang="en-US" dirty="0" smtClean="0"/>
+              <a:t> </a:t>
+            </a:r>
+            <a:r>
+              <a:rPr lang="en-US" altLang="ko-KR" dirty="0" smtClean="0"/>
+              <a:t>id </a:t>
+            </a:r>
+            <a:r>
+              <a:rPr lang="en-US" altLang="ko-KR" dirty="0"/>
+              <a:t>- KEY</a:t>
+            </a:r>
+            <a:endParaRPr lang="en-US" altLang="ko-KR" dirty="0" smtClean="0"/>
+          </a:p>
+          <a:p>
+            <a:r>
+              <a:rPr lang="en-US" altLang="ko-KR" dirty="0" err="1" smtClean="0"/>
+              <a:t>Bus_id</a:t>
+            </a:r>
+            <a:r>
+              <a:rPr lang="en-US" altLang="ko-KR" dirty="0" smtClean="0"/>
+              <a:t>: </a:t>
+            </a:r>
+            <a:r>
+              <a:rPr lang="ko-KR" altLang="en-US" dirty="0" smtClean="0"/>
+              <a:t>버스 </a:t>
+            </a:r>
+            <a:r>
+              <a:rPr lang="en-US" altLang="ko-KR" dirty="0" smtClean="0"/>
+              <a:t>id</a:t>
+            </a:r>
+          </a:p>
+          <a:p>
+            <a:r>
+              <a:rPr lang="en-US" altLang="ko-KR" dirty="0" err="1" smtClean="0"/>
+              <a:t>Created_date</a:t>
+            </a:r>
+            <a:r>
+              <a:rPr lang="en-US" altLang="ko-KR" dirty="0" smtClean="0"/>
+              <a:t>: </a:t>
+            </a:r>
+            <a:r>
+              <a:rPr lang="ko-KR" altLang="en-US" dirty="0" err="1" smtClean="0"/>
+              <a:t>채팅방</a:t>
+            </a:r>
+            <a:r>
+              <a:rPr lang="ko-KR" altLang="en-US" dirty="0" smtClean="0"/>
+              <a:t> 시작 </a:t>
+            </a:r>
+            <a:r>
+              <a:rPr lang="ko-KR" altLang="en-US" dirty="0" smtClean="0"/>
+              <a:t>시간</a:t>
+            </a:r>
+            <a:endParaRPr lang="en-US" altLang="ko-KR" dirty="0" smtClean="0"/>
+          </a:p>
+          <a:p>
+            <a:r>
+              <a:rPr lang="en-US" altLang="ko-KR" dirty="0" smtClean="0"/>
+              <a:t>----</a:t>
+            </a:r>
+            <a:endParaRPr lang="en-US" altLang="ko-KR" dirty="0" smtClean="0"/>
+          </a:p>
+          <a:p>
+            <a:r>
+              <a:rPr lang="en-US" altLang="ko-KR" dirty="0" err="1" smtClean="0"/>
+              <a:t>UserNumber</a:t>
+            </a:r>
+            <a:r>
+              <a:rPr lang="en-US" altLang="ko-KR" dirty="0" smtClean="0"/>
+              <a:t>: </a:t>
+            </a:r>
+            <a:r>
+              <a:rPr lang="ko-KR" altLang="en-US" dirty="0" err="1" smtClean="0"/>
+              <a:t>채팅방에</a:t>
+            </a:r>
+            <a:r>
+              <a:rPr lang="ko-KR" altLang="en-US" dirty="0" smtClean="0"/>
+              <a:t> 속한 유저의 숫자</a:t>
+            </a:r>
+            <a:endParaRPr lang="en-US" altLang="ko-KR" dirty="0" smtClean="0"/>
+          </a:p>
+        </p:txBody>
+      </p:sp>
+    </p:spTree>
+    <p:extLst>
+      <p:ext uri="{BB962C8B-B14F-4D97-AF65-F5344CB8AC3E}">
+        <p14:creationId xmlns:p14="http://schemas.microsoft.com/office/powerpoint/2010/main" val="4207830035"/>
+      </p:ext>
+    </p:extLst>
+  </p:cSld>
+  <p:clrMapOvr>
+    <a:masterClrMapping/>
+  </p:clrMapOvr>
+</p:sld>
+</file>
+
+<file path=ppt/slides/slide18.xml><?xml version="1.0" encoding="utf-8"?>
+<p:sld xmlns:a="http://schemas.openxmlformats.org/drawingml/2006/main" xmlns:r="http://schemas.openxmlformats.org/officeDocument/2006/relationships" xmlns:p="http://schemas.openxmlformats.org/presentationml/2006/main">
+  <p:cSld>
+    <p:spTree>
+      <p:nvGrpSpPr>
+        <p:cNvPr id="1" name=""/>
+        <p:cNvGrpSpPr/>
+        <p:nvPr/>
+      </p:nvGrpSpPr>
+      <p:grpSpPr>
+        <a:xfrm>
+          <a:off x="0" y="0"/>
+          <a:ext cx="0" cy="0"/>
+          <a:chOff x="0" y="0"/>
+          <a:chExt cx="0" cy="0"/>
+        </a:xfrm>
+      </p:grpSpPr>
+      <p:sp>
+        <p:nvSpPr>
+          <p:cNvPr id="2" name="제목 1"/>
+          <p:cNvSpPr>
+            <a:spLocks noGrp="1"/>
+          </p:cNvSpPr>
+          <p:nvPr>
+            <p:ph type="title"/>
+          </p:nvPr>
+        </p:nvSpPr>
+        <p:spPr/>
+        <p:txBody>
+          <a:bodyPr/>
+          <a:lstStyle/>
+          <a:p>
+            <a:r>
+              <a:rPr lang="ko-KR" altLang="en-US" dirty="0" err="1"/>
+              <a:t>채팅방에</a:t>
+            </a:r>
+            <a:r>
+              <a:rPr lang="ko-KR" altLang="en-US" dirty="0"/>
+              <a:t> 있는 유저 목록과 </a:t>
+            </a:r>
+            <a:r>
+              <a:rPr lang="ko-KR" altLang="en-US" dirty="0" smtClean="0"/>
+              <a:t>상태</a:t>
+            </a:r>
+            <a:endParaRPr lang="ko-KR" altLang="en-US" dirty="0"/>
+          </a:p>
+        </p:txBody>
+      </p:sp>
+      <p:sp>
+        <p:nvSpPr>
+          <p:cNvPr id="3" name="내용 개체 틀 2"/>
+          <p:cNvSpPr>
+            <a:spLocks noGrp="1"/>
+          </p:cNvSpPr>
+          <p:nvPr>
+            <p:ph idx="1"/>
+          </p:nvPr>
+        </p:nvSpPr>
+        <p:spPr/>
+        <p:txBody>
+          <a:bodyPr/>
+          <a:lstStyle/>
+          <a:p>
+            <a:r>
+              <a:rPr lang="en-US" altLang="ko-KR" dirty="0" smtClean="0"/>
+              <a:t>Id </a:t>
+            </a:r>
+            <a:r>
+              <a:rPr lang="ko-KR" altLang="en-US" dirty="0" err="1" smtClean="0"/>
+              <a:t>채팅방</a:t>
+            </a:r>
+            <a:r>
+              <a:rPr lang="en-US" altLang="ko-KR" dirty="0" smtClean="0"/>
+              <a:t>_</a:t>
+            </a:r>
+            <a:r>
+              <a:rPr lang="en-US" altLang="ko-KR" dirty="0" err="1" smtClean="0"/>
+              <a:t>id_users</a:t>
+            </a:r>
+            <a:r>
+              <a:rPr lang="en-US" altLang="ko-KR" dirty="0" smtClean="0"/>
+              <a:t> – KEY</a:t>
+            </a:r>
+          </a:p>
+          <a:p>
+            <a:r>
+              <a:rPr lang="en-US" altLang="ko-KR" dirty="0" err="1" smtClean="0"/>
+              <a:t>User_id</a:t>
+            </a:r>
+            <a:endParaRPr lang="ko-KR" altLang="en-US" dirty="0"/>
+          </a:p>
+        </p:txBody>
+      </p:sp>
+    </p:spTree>
+    <p:extLst>
+      <p:ext uri="{BB962C8B-B14F-4D97-AF65-F5344CB8AC3E}">
+        <p14:creationId xmlns:p14="http://schemas.microsoft.com/office/powerpoint/2010/main" val="2592375771"/>
       </p:ext>
     </p:extLst>
   </p:cSld>
@@ -6985,162 +9053,163 @@
         </p:nvSpPr>
         <p:spPr/>
         <p:txBody>
-          <a:bodyPr>
-            <a:normAutofit/>
+          <a:bodyPr/>
+          <a:lstStyle/>
+          <a:p>
+            <a:r>
+              <a:rPr lang="ko-KR" altLang="en-US" dirty="0" err="1" smtClean="0"/>
+              <a:t>채팅시</a:t>
+            </a:r>
+            <a:r>
+              <a:rPr lang="ko-KR" altLang="en-US" dirty="0" smtClean="0"/>
+              <a:t> 사용할 데이터</a:t>
+            </a:r>
+            <a:endParaRPr lang="ko-KR" altLang="en-US" dirty="0"/>
+          </a:p>
+        </p:txBody>
+      </p:sp>
+      <p:sp>
+        <p:nvSpPr>
+          <p:cNvPr id="4" name="TextBox 3"/>
+          <p:cNvSpPr txBox="1"/>
+          <p:nvPr/>
+        </p:nvSpPr>
+        <p:spPr>
+          <a:xfrm>
+            <a:off x="838200" y="1690688"/>
+            <a:ext cx="10222523" cy="1477328"/>
+          </a:xfrm>
+          <a:prstGeom prst="rect">
+            <a:avLst/>
+          </a:prstGeom>
+          <a:noFill/>
+        </p:spPr>
+        <p:txBody>
+          <a:bodyPr wrap="square" rtlCol="0">
+            <a:spAutoFit/>
           </a:bodyPr>
           <a:lstStyle/>
           <a:p>
             <a:r>
-              <a:rPr lang="en-US" altLang="ko-KR" sz="4000" dirty="0"/>
+              <a:rPr lang="en-US" altLang="ko-KR" dirty="0" smtClean="0"/>
+              <a:t>Key</a:t>
+            </a:r>
+            <a:r>
+              <a:rPr lang="ko-KR" altLang="en-US" dirty="0" smtClean="0"/>
+              <a:t>값을 </a:t>
+            </a:r>
+            <a:r>
+              <a:rPr lang="en-US" altLang="ko-KR" dirty="0" err="1" smtClean="0"/>
+              <a:t>Bus_id_chat</a:t>
+            </a:r>
+            <a:r>
+              <a:rPr lang="ko-KR" altLang="en-US" dirty="0" smtClean="0"/>
+              <a:t>으로 아예 분리</a:t>
+            </a:r>
+            <a:endParaRPr lang="en-US" altLang="ko-KR" dirty="0" smtClean="0"/>
+          </a:p>
+          <a:p>
+            <a:r>
+              <a:rPr lang="en-US" altLang="ko-KR" dirty="0" smtClean="0"/>
               <a:t>1</a:t>
             </a:r>
             <a:r>
-              <a:rPr lang="ko-KR" altLang="en-US" sz="4000" dirty="0"/>
-              <a:t>분마다 공공데이터에서 버스 정보 </a:t>
-            </a:r>
-            <a:r>
-              <a:rPr lang="ko-KR" altLang="en-US" sz="4000" dirty="0" smtClean="0"/>
-              <a:t>가져옴</a:t>
-            </a:r>
-            <a:endParaRPr lang="ko-KR" altLang="en-US" dirty="0"/>
-          </a:p>
-        </p:txBody>
-      </p:sp>
-      <p:sp>
-        <p:nvSpPr>
-          <p:cNvPr id="3" name="내용 개체 틀 2"/>
-          <p:cNvSpPr>
-            <a:spLocks noGrp="1"/>
-          </p:cNvSpPr>
-          <p:nvPr>
-            <p:ph idx="1"/>
-          </p:nvPr>
-        </p:nvSpPr>
-        <p:spPr/>
-        <p:txBody>
-          <a:bodyPr/>
-          <a:lstStyle/>
-          <a:p>
-            <a:r>
-              <a:rPr lang="ko-KR" altLang="en-US" dirty="0" smtClean="0"/>
-              <a:t>버스 </a:t>
-            </a:r>
-            <a:r>
-              <a:rPr lang="en-US" altLang="ko-KR" dirty="0" smtClean="0"/>
-              <a:t>id(</a:t>
+              <a:rPr lang="ko-KR" altLang="en-US" dirty="0" smtClean="0"/>
+              <a:t>안 </a:t>
+            </a:r>
+            <a:r>
+              <a:rPr lang="en-US" altLang="ko-KR" dirty="0" err="1" smtClean="0"/>
+              <a:t>SubKey</a:t>
+            </a:r>
+            <a:r>
+              <a:rPr lang="ko-KR" altLang="en-US" dirty="0" smtClean="0"/>
+              <a:t>는 </a:t>
+            </a:r>
+            <a:r>
+              <a:rPr lang="en-US" altLang="ko-KR" dirty="0" err="1" smtClean="0"/>
+              <a:t>user_id:created_time</a:t>
+            </a:r>
+            <a:r>
+              <a:rPr lang="ko-KR" altLang="en-US" dirty="0" smtClean="0"/>
+              <a:t>으로 두고 내용을 </a:t>
+            </a:r>
+            <a:r>
+              <a:rPr lang="en-US" altLang="ko-KR" dirty="0" err="1" smtClean="0"/>
+              <a:t>text:like</a:t>
+            </a:r>
+            <a:r>
+              <a:rPr lang="ko-KR" altLang="en-US" dirty="0" smtClean="0"/>
+              <a:t>로 둔다</a:t>
+            </a:r>
+            <a:endParaRPr lang="en-US" altLang="ko-KR" dirty="0" smtClean="0"/>
+          </a:p>
+          <a:p>
+            <a:r>
+              <a:rPr lang="en-US" altLang="ko-KR" dirty="0" smtClean="0"/>
+              <a:t>- </a:t>
             </a:r>
             <a:r>
               <a:rPr lang="ko-KR" altLang="en-US" dirty="0" err="1" smtClean="0"/>
-              <a:t>자바단에서</a:t>
-            </a:r>
-            <a:r>
-              <a:rPr lang="ko-KR" altLang="en-US" dirty="0" smtClean="0"/>
-              <a:t> 직접 생성</a:t>
-            </a:r>
-            <a:r>
-              <a:rPr lang="en-US" altLang="ko-KR" dirty="0" smtClean="0"/>
-              <a:t>)  - KEY</a:t>
-            </a:r>
-          </a:p>
-          <a:p>
+              <a:t>파싱하기</a:t>
+            </a:r>
+            <a:r>
+              <a:rPr lang="ko-KR" altLang="en-US" dirty="0" smtClean="0"/>
+              <a:t> 편함</a:t>
+            </a:r>
+            <a:endParaRPr lang="en-US" altLang="ko-KR" dirty="0" smtClean="0"/>
+          </a:p>
+          <a:p>
+            <a:r>
+              <a:rPr lang="en-US" altLang="ko-KR" dirty="0" smtClean="0"/>
+              <a:t>2</a:t>
+            </a:r>
+            <a:r>
+              <a:rPr lang="ko-KR" altLang="en-US" dirty="0" smtClean="0"/>
+              <a:t>안</a:t>
+            </a:r>
+            <a:r>
+              <a:rPr lang="en-US" altLang="ko-KR" dirty="0"/>
+              <a:t> </a:t>
+            </a:r>
             <a:r>
               <a:rPr lang="en-US" altLang="ko-KR" dirty="0" err="1" smtClean="0"/>
-              <a:t>License_no</a:t>
-            </a:r>
-            <a:r>
-              <a:rPr lang="en-US" altLang="ko-KR" dirty="0" smtClean="0"/>
-              <a:t> </a:t>
-            </a:r>
-            <a:r>
-              <a:rPr lang="ko-KR" altLang="en-US" dirty="0" smtClean="0"/>
-              <a:t>버스 차량번호</a:t>
+              <a:t>SubKey</a:t>
+            </a:r>
+            <a:r>
+              <a:rPr lang="ko-KR" altLang="en-US" dirty="0" smtClean="0"/>
+              <a:t>를 </a:t>
+            </a:r>
+            <a:r>
+              <a:rPr lang="en-US" altLang="ko-KR" dirty="0" err="1" smtClean="0"/>
+              <a:t>chat_id</a:t>
+            </a:r>
+            <a:r>
+              <a:rPr lang="ko-KR" altLang="en-US" dirty="0" smtClean="0"/>
+              <a:t>로 따로 만들고 내용을 </a:t>
+            </a:r>
+            <a:r>
+              <a:rPr lang="en-US" altLang="ko-KR" dirty="0" err="1" smtClean="0"/>
+              <a:t>user_id:created_time:text:like</a:t>
             </a:r>
             <a:endParaRPr lang="en-US" altLang="ko-KR" dirty="0" smtClean="0"/>
           </a:p>
           <a:p>
             <a:r>
-              <a:rPr lang="en-US" altLang="ko-KR" dirty="0" err="1" smtClean="0"/>
-              <a:t>Route_id</a:t>
-            </a:r>
-            <a:r>
-              <a:rPr lang="en-US" altLang="ko-KR" dirty="0" smtClean="0"/>
-              <a:t> </a:t>
-            </a:r>
-            <a:r>
-              <a:rPr lang="ko-KR" altLang="en-US" dirty="0" smtClean="0"/>
-              <a:t>노선 </a:t>
-            </a:r>
-            <a:r>
-              <a:rPr lang="en-US" altLang="ko-KR" dirty="0" smtClean="0"/>
-              <a:t>id</a:t>
-            </a:r>
-          </a:p>
-          <a:p>
-            <a:r>
-              <a:rPr lang="en-US" altLang="ko-KR" dirty="0" err="1" smtClean="0"/>
-              <a:t>Lat</a:t>
-            </a:r>
-            <a:r>
-              <a:rPr lang="en-US" altLang="ko-KR" dirty="0" smtClean="0"/>
-              <a:t> </a:t>
-            </a:r>
-            <a:r>
-              <a:rPr lang="ko-KR" altLang="en-US" dirty="0" smtClean="0"/>
-              <a:t>위도</a:t>
+              <a:rPr lang="en-US" altLang="ko-KR" dirty="0" smtClean="0"/>
+              <a:t>- </a:t>
+            </a:r>
+            <a:r>
+              <a:rPr lang="ko-KR" altLang="en-US" dirty="0" smtClean="0"/>
+              <a:t>좋아요 눌렀을 때 검색하기 편함</a:t>
             </a:r>
             <a:endParaRPr lang="en-US" altLang="ko-KR" dirty="0" smtClean="0"/>
-          </a:p>
-          <a:p>
-            <a:r>
-              <a:rPr lang="en-US" altLang="ko-KR" dirty="0" err="1" smtClean="0"/>
-              <a:t>Lng</a:t>
-            </a:r>
-            <a:r>
-              <a:rPr lang="en-US" altLang="ko-KR" dirty="0" smtClean="0"/>
-              <a:t> </a:t>
-            </a:r>
-            <a:r>
-              <a:rPr lang="ko-KR" altLang="en-US" dirty="0" smtClean="0"/>
-              <a:t>경도</a:t>
-            </a:r>
-            <a:endParaRPr lang="en-US" altLang="ko-KR" dirty="0" smtClean="0"/>
-          </a:p>
-          <a:p>
-            <a:r>
-              <a:rPr lang="en-US" altLang="ko-KR" dirty="0" err="1" smtClean="0"/>
-              <a:t>Last_modified_date</a:t>
-            </a:r>
-            <a:r>
-              <a:rPr lang="en-US" altLang="ko-KR" dirty="0" smtClean="0"/>
-              <a:t> </a:t>
-            </a:r>
-            <a:r>
-              <a:rPr lang="ko-KR" altLang="en-US" dirty="0" smtClean="0"/>
-              <a:t>마지막으로 버스 위치 갱신한 시각</a:t>
-            </a:r>
-            <a:endParaRPr lang="en-US" altLang="ko-KR" dirty="0" smtClean="0"/>
-          </a:p>
-          <a:p>
-            <a:r>
-              <a:rPr lang="en-US" altLang="ko-KR" dirty="0" err="1" smtClean="0"/>
-              <a:t>Created_date</a:t>
-            </a:r>
-            <a:r>
-              <a:rPr lang="en-US" altLang="ko-KR" dirty="0" smtClean="0"/>
-              <a:t> </a:t>
-            </a:r>
-            <a:r>
-              <a:rPr lang="ko-KR" altLang="en-US" dirty="0" smtClean="0"/>
-              <a:t>데이터 생성 일자</a:t>
-            </a:r>
-            <a:endParaRPr lang="ko-KR" altLang="en-US" dirty="0"/>
           </a:p>
         </p:txBody>
       </p:sp>
     </p:spTree>
     <p:extLst>
       <p:ext uri="{BB962C8B-B14F-4D97-AF65-F5344CB8AC3E}">
-        <p14:creationId xmlns:p14="http://schemas.microsoft.com/office/powerpoint/2010/main" val="2849710558"/>
+        <p14:creationId xmlns:p14="http://schemas.microsoft.com/office/powerpoint/2010/main" val="1641322176"/>
       </p:ext>
     </p:extLst>
   </p:cSld>
@@ -7179,57 +9248,50 @@
         </p:nvSpPr>
         <p:spPr/>
         <p:txBody>
-          <a:bodyPr>
-            <a:normAutofit/>
+          <a:bodyPr/>
+          <a:lstStyle/>
+          <a:p>
+            <a:r>
+              <a:rPr lang="en-US" altLang="ko-KR" dirty="0" err="1" smtClean="0"/>
+              <a:t>Redis</a:t>
+            </a:r>
+            <a:r>
+              <a:rPr lang="en-US" altLang="ko-KR" dirty="0" smtClean="0"/>
+              <a:t> API</a:t>
+            </a:r>
+            <a:endParaRPr lang="ko-KR" altLang="en-US" dirty="0"/>
+          </a:p>
+        </p:txBody>
+      </p:sp>
+      <p:sp>
+        <p:nvSpPr>
+          <p:cNvPr id="4" name="TextBox 3"/>
+          <p:cNvSpPr txBox="1"/>
+          <p:nvPr/>
+        </p:nvSpPr>
+        <p:spPr>
+          <a:xfrm>
+            <a:off x="838200" y="1690688"/>
+            <a:ext cx="10222523" cy="2031325"/>
+          </a:xfrm>
+          <a:prstGeom prst="rect">
+            <a:avLst/>
+          </a:prstGeom>
+          <a:noFill/>
+        </p:spPr>
+        <p:txBody>
+          <a:bodyPr wrap="square" rtlCol="0">
+            <a:spAutoFit/>
           </a:bodyPr>
           <a:lstStyle/>
           <a:p>
             <a:r>
-              <a:rPr lang="ko-KR" altLang="en-US" sz="2800" dirty="0"/>
-              <a:t>새로운 버스가 생기면 그 버스의 </a:t>
-            </a:r>
-            <a:r>
-              <a:rPr lang="ko-KR" altLang="en-US" sz="2800" dirty="0" err="1"/>
-              <a:t>차량번호에</a:t>
-            </a:r>
-            <a:r>
-              <a:rPr lang="ko-KR" altLang="en-US" sz="2800" dirty="0"/>
-              <a:t> 맞춰서 </a:t>
-            </a:r>
-            <a:r>
-              <a:rPr lang="ko-KR" altLang="en-US" sz="2800" dirty="0" err="1"/>
-              <a:t>채팅방</a:t>
-            </a:r>
-            <a:r>
-              <a:rPr lang="ko-KR" altLang="en-US" sz="2800" dirty="0"/>
-              <a:t> </a:t>
-            </a:r>
-            <a:r>
-              <a:rPr lang="ko-KR" altLang="en-US" sz="2800" dirty="0" smtClean="0"/>
-              <a:t>생성</a:t>
-            </a:r>
-            <a:endParaRPr lang="ko-KR" altLang="en-US" sz="2800" dirty="0"/>
-          </a:p>
-        </p:txBody>
-      </p:sp>
-      <p:sp>
-        <p:nvSpPr>
-          <p:cNvPr id="3" name="내용 개체 틀 2"/>
-          <p:cNvSpPr>
-            <a:spLocks noGrp="1"/>
-          </p:cNvSpPr>
-          <p:nvPr>
-            <p:ph idx="1"/>
-          </p:nvPr>
-        </p:nvSpPr>
-        <p:spPr/>
-        <p:txBody>
-          <a:bodyPr/>
-          <a:lstStyle/>
-          <a:p>
-            <a:r>
-              <a:rPr lang="en-US" altLang="ko-KR" dirty="0" smtClean="0"/>
-              <a:t>id </a:t>
+              <a:rPr lang="en-US" altLang="ko-KR" dirty="0" smtClean="0"/>
+              <a:t>1. </a:t>
+            </a:r>
+            <a:r>
+              <a:rPr lang="ko-KR" altLang="en-US" dirty="0" smtClean="0"/>
+              <a:t>입장 가능한 </a:t>
             </a:r>
             <a:r>
               <a:rPr lang="ko-KR" altLang="en-US" dirty="0" err="1" smtClean="0"/>
@@ -7237,44 +9299,42 @@
             </a:r>
             <a:r>
               <a:rPr lang="ko-KR" altLang="en-US" dirty="0" smtClean="0"/>
-              <a:t> </a:t>
-            </a:r>
-            <a:r>
-              <a:rPr lang="en-US" altLang="ko-KR" dirty="0" smtClean="0"/>
-              <a:t>id </a:t>
-            </a:r>
-            <a:r>
-              <a:rPr lang="en-US" altLang="ko-KR" dirty="0"/>
-              <a:t>- KEY</a:t>
+              <a:t> 리스트 조회 </a:t>
+            </a:r>
+            <a:r>
+              <a:rPr lang="en-US" altLang="ko-KR" dirty="0" smtClean="0"/>
+              <a:t>-&gt; GPS </a:t>
+            </a:r>
+            <a:r>
+              <a:rPr lang="ko-KR" altLang="en-US" dirty="0" err="1" smtClean="0"/>
+              <a:t>로직으로</a:t>
+            </a:r>
+            <a:r>
+              <a:rPr lang="ko-KR" altLang="en-US" dirty="0" smtClean="0"/>
+              <a:t> 버스 </a:t>
+            </a:r>
+            <a:r>
+              <a:rPr lang="en-US" altLang="ko-KR" dirty="0" smtClean="0"/>
+              <a:t>ID + </a:t>
+            </a:r>
+            <a:r>
+              <a:rPr lang="ko-KR" altLang="en-US" dirty="0" smtClean="0"/>
+              <a:t>채팅</a:t>
+            </a:r>
+            <a:r>
+              <a:rPr lang="en-US" altLang="ko-KR" dirty="0" smtClean="0"/>
+              <a:t>ID </a:t>
+            </a:r>
+            <a:r>
+              <a:rPr lang="ko-KR" altLang="en-US" dirty="0" err="1" smtClean="0"/>
+              <a:t>주면될듯</a:t>
             </a:r>
             <a:endParaRPr lang="en-US" altLang="ko-KR" dirty="0" smtClean="0"/>
           </a:p>
           <a:p>
             <a:r>
-              <a:rPr lang="en-US" altLang="ko-KR" dirty="0" err="1" smtClean="0"/>
-              <a:t>Bus_id</a:t>
-            </a:r>
-            <a:r>
-              <a:rPr lang="en-US" altLang="ko-KR" dirty="0" smtClean="0"/>
-              <a:t>: </a:t>
-            </a:r>
-            <a:r>
-              <a:rPr lang="ko-KR" altLang="en-US" dirty="0" smtClean="0"/>
-              <a:t>버스 </a:t>
-            </a:r>
-            <a:r>
-              <a:rPr lang="en-US" altLang="ko-KR" dirty="0" smtClean="0"/>
-              <a:t>id</a:t>
-            </a:r>
-          </a:p>
-          <a:p>
-            <a:r>
-              <a:rPr lang="en-US" altLang="ko-KR" dirty="0" err="1" smtClean="0"/>
-              <a:t>Created_date</a:t>
-            </a:r>
-            <a:r>
-              <a:rPr lang="en-US" altLang="ko-KR" dirty="0" smtClean="0"/>
-              <a:t>: </a:t>
+              <a:rPr lang="en-US" altLang="ko-KR" dirty="0" smtClean="0"/>
+              <a:t>2. </a:t>
             </a:r>
             <a:r>
               <a:rPr lang="ko-KR" altLang="en-US" dirty="0" err="1" smtClean="0"/>
@@ -7282,18 +9342,42 @@
             </a:r>
             <a:r>
               <a:rPr lang="ko-KR" altLang="en-US" dirty="0" smtClean="0"/>
-              <a:t> 시작 시간</a:t>
+              <a:t> 접속 가능 여부 확인 </a:t>
+            </a:r>
+            <a:r>
+              <a:rPr lang="en-US" altLang="ko-KR" dirty="0" smtClean="0"/>
+              <a:t>-&gt; </a:t>
+            </a:r>
+            <a:r>
+              <a:rPr lang="ko-KR" altLang="en-US" dirty="0" err="1" smtClean="0"/>
+              <a:t>유저랑</a:t>
+            </a:r>
+            <a:r>
+              <a:rPr lang="ko-KR" altLang="en-US" dirty="0" smtClean="0"/>
+              <a:t> 버스 </a:t>
+            </a:r>
+            <a:r>
+              <a:rPr lang="en-US" altLang="ko-KR" dirty="0" smtClean="0"/>
+              <a:t>GPS </a:t>
+            </a:r>
+            <a:r>
+              <a:rPr lang="ko-KR" altLang="en-US" dirty="0" smtClean="0"/>
+              <a:t>비교해서 </a:t>
+            </a:r>
+            <a:r>
+              <a:rPr lang="en-US" altLang="ko-KR" dirty="0" smtClean="0"/>
+              <a:t>True or False </a:t>
+            </a:r>
+            <a:r>
+              <a:rPr lang="ko-KR" altLang="en-US" dirty="0" smtClean="0"/>
+              <a:t>주면 됨</a:t>
             </a:r>
             <a:endParaRPr lang="en-US" altLang="ko-KR" dirty="0" smtClean="0"/>
           </a:p>
           <a:p>
             <a:r>
-              <a:rPr lang="en-US" altLang="ko-KR" dirty="0" err="1" smtClean="0"/>
-              <a:t>Terminated_date</a:t>
-            </a:r>
-            <a:r>
-              <a:rPr lang="en-US" altLang="ko-KR" dirty="0" smtClean="0"/>
-              <a:t>: </a:t>
+              <a:rPr lang="en-US" altLang="ko-KR" dirty="0" smtClean="0"/>
+              <a:t>3. </a:t>
             </a:r>
             <a:r>
               <a:rPr lang="ko-KR" altLang="en-US" dirty="0" err="1" smtClean="0"/>
@@ -7301,61 +9385,49 @@
             </a:r>
             <a:r>
               <a:rPr lang="ko-KR" altLang="en-US" dirty="0" smtClean="0"/>
-              <a:t> 종료 시간</a:t>
-            </a:r>
-            <a:endParaRPr lang="en-US" altLang="ko-KR" dirty="0" smtClean="0"/>
-          </a:p>
-          <a:p>
-            <a:r>
-              <a:rPr lang="en-US" altLang="ko-KR" dirty="0" err="1" smtClean="0"/>
-              <a:t>Report_id</a:t>
-            </a:r>
-            <a:r>
-              <a:rPr lang="en-US" altLang="ko-KR" dirty="0" smtClean="0"/>
-              <a:t>: </a:t>
-            </a:r>
-            <a:r>
-              <a:rPr lang="ko-KR" altLang="en-US" dirty="0" smtClean="0"/>
-              <a:t>보고서 </a:t>
-            </a:r>
-            <a:r>
-              <a:rPr lang="en-US" altLang="ko-KR" dirty="0" smtClean="0"/>
-              <a:t>id</a:t>
-            </a:r>
-          </a:p>
-          <a:p>
-            <a:r>
-              <a:rPr lang="en-US" altLang="ko-KR" dirty="0" err="1" smtClean="0"/>
-              <a:t>Last_modified_date</a:t>
-            </a:r>
-            <a:r>
-              <a:rPr lang="en-US" altLang="ko-KR" dirty="0" smtClean="0"/>
-              <a:t>: </a:t>
-            </a:r>
-            <a:r>
-              <a:rPr lang="ko-KR" altLang="en-US" dirty="0" smtClean="0"/>
-              <a:t>마지막 </a:t>
+              <a:t> 입장 </a:t>
+            </a:r>
+            <a:r>
+              <a:rPr lang="en-US" altLang="ko-KR" dirty="0" smtClean="0"/>
+              <a:t>(</a:t>
+            </a:r>
+            <a:r>
+              <a:rPr lang="ko-KR" altLang="en-US" dirty="0" smtClean="0"/>
+              <a:t>입장 시 </a:t>
             </a:r>
             <a:r>
               <a:rPr lang="ko-KR" altLang="en-US" dirty="0" err="1" smtClean="0"/>
-              <a:t>수정일자</a:t>
-            </a:r>
-            <a:endParaRPr lang="en-US" altLang="ko-KR" dirty="0" smtClean="0"/>
-          </a:p>
-          <a:p>
-            <a:r>
-              <a:rPr lang="en-US" altLang="ko-KR" dirty="0" smtClean="0"/>
-              <a:t>----</a:t>
-            </a:r>
-          </a:p>
-          <a:p>
-            <a:r>
-              <a:rPr lang="en-US" altLang="ko-KR" dirty="0" err="1" smtClean="0"/>
-              <a:t>UserNumber</a:t>
-            </a:r>
-            <a:r>
-              <a:rPr lang="en-US" altLang="ko-KR" dirty="0" smtClean="0"/>
-              <a:t>: </a:t>
+              <a:t>채팅방</a:t>
+            </a:r>
+            <a:r>
+              <a:rPr lang="ko-KR" altLang="en-US" dirty="0" smtClean="0"/>
+              <a:t> 정보 다 전달</a:t>
+            </a:r>
+            <a:r>
+              <a:rPr lang="en-US" altLang="ko-KR" dirty="0" smtClean="0"/>
+              <a:t>)</a:t>
+            </a:r>
+          </a:p>
+          <a:p>
+            <a:r>
+              <a:rPr lang="en-US" altLang="ko-KR" dirty="0" smtClean="0"/>
+              <a:t>-&gt; 1. </a:t>
+            </a:r>
+            <a:r>
+              <a:rPr lang="ko-KR" altLang="en-US" dirty="0" smtClean="0"/>
+              <a:t>유저의 정보를 </a:t>
+            </a:r>
+            <a:r>
+              <a:rPr lang="ko-KR" altLang="en-US" dirty="0" err="1" smtClean="0"/>
+              <a:t>레디스</a:t>
+            </a:r>
+            <a:r>
+              <a:rPr lang="ko-KR" altLang="en-US" dirty="0" smtClean="0"/>
+              <a:t> 서버에 저장 </a:t>
+            </a:r>
+            <a:r>
+              <a:rPr lang="en-US" altLang="ko-KR" dirty="0" smtClean="0"/>
+              <a:t>-&gt; </a:t>
             </a:r>
             <a:r>
               <a:rPr lang="ko-KR" altLang="en-US" dirty="0" err="1" smtClean="0"/>
@@ -7363,16 +9435,97 @@
             </a:r>
             <a:r>
               <a:rPr lang="ko-KR" altLang="en-US" dirty="0" smtClean="0"/>
-              <a:t> 속한 유저의 숫자</a:t>
-            </a:r>
-            <a:endParaRPr lang="en-US" altLang="ko-KR" dirty="0" smtClean="0"/>
+              <a:t> 유저에 대한 정보가 없는데</a:t>
+            </a:r>
+            <a:r>
+              <a:rPr lang="en-US" altLang="ko-KR" dirty="0" smtClean="0"/>
+              <a:t>?</a:t>
+            </a:r>
+          </a:p>
+          <a:p>
+            <a:r>
+              <a:rPr lang="en-US" altLang="ko-KR" dirty="0" smtClean="0"/>
+              <a:t>-&gt; 2. </a:t>
+            </a:r>
+            <a:r>
+              <a:rPr lang="ko-KR" altLang="en-US" dirty="0" smtClean="0"/>
+              <a:t>버스 정보를 유저의 </a:t>
+            </a:r>
+            <a:r>
+              <a:rPr lang="ko-KR" altLang="en-US" dirty="0" err="1" smtClean="0"/>
+              <a:t>스토리지에</a:t>
+            </a:r>
+            <a:r>
+              <a:rPr lang="ko-KR" altLang="en-US" dirty="0" smtClean="0"/>
+              <a:t> 저장 </a:t>
+            </a:r>
+            <a:r>
+              <a:rPr lang="en-US" altLang="ko-KR" dirty="0" smtClean="0"/>
+              <a:t>-&gt; </a:t>
+            </a:r>
+            <a:r>
+              <a:rPr lang="ko-KR" altLang="en-US" dirty="0" smtClean="0"/>
+              <a:t>이건 받으면 되지</a:t>
+            </a:r>
+            <a:r>
+              <a:rPr lang="en-US" altLang="ko-KR" dirty="0" smtClean="0"/>
+              <a:t>, 1</a:t>
+            </a:r>
+            <a:r>
+              <a:rPr lang="ko-KR" altLang="en-US" dirty="0" smtClean="0"/>
+              <a:t>번 받고 </a:t>
+            </a:r>
+            <a:r>
+              <a:rPr lang="en-US" altLang="ko-KR" dirty="0" smtClean="0"/>
+              <a:t>1</a:t>
+            </a:r>
+            <a:r>
+              <a:rPr lang="ko-KR" altLang="en-US" dirty="0" smtClean="0"/>
+              <a:t>분마다 업데이트</a:t>
+            </a:r>
+            <a:r>
+              <a:rPr lang="en-US" altLang="ko-KR" dirty="0" smtClean="0"/>
+              <a:t>?</a:t>
+            </a:r>
+          </a:p>
+          <a:p>
+            <a:r>
+              <a:rPr lang="en-US" altLang="ko-KR" dirty="0" smtClean="0"/>
+              <a:t>4. </a:t>
+            </a:r>
+            <a:r>
+              <a:rPr lang="ko-KR" altLang="en-US" dirty="0" err="1" smtClean="0"/>
+              <a:t>채팅방</a:t>
+            </a:r>
+            <a:r>
+              <a:rPr lang="ko-KR" altLang="en-US" dirty="0" smtClean="0"/>
+              <a:t> 퇴장 </a:t>
+            </a:r>
+            <a:r>
+              <a:rPr lang="en-US" altLang="ko-KR" dirty="0" smtClean="0"/>
+              <a:t>(</a:t>
+            </a:r>
+            <a:r>
+              <a:rPr lang="ko-KR" altLang="en-US" dirty="0" smtClean="0"/>
+              <a:t>사용자</a:t>
+            </a:r>
+            <a:r>
+              <a:rPr lang="en-US" altLang="ko-KR" dirty="0" smtClean="0"/>
+              <a:t>)</a:t>
+            </a:r>
+          </a:p>
+          <a:p>
+            <a:r>
+              <a:rPr lang="en-US" altLang="ko-KR" dirty="0" smtClean="0"/>
+              <a:t>-&gt; 1. </a:t>
+            </a:r>
           </a:p>
         </p:txBody>
       </p:sp>
     </p:spTree>
     <p:extLst>
       <p:ext uri="{BB962C8B-B14F-4D97-AF65-F5344CB8AC3E}">
-        <p14:creationId xmlns:p14="http://schemas.microsoft.com/office/powerpoint/2010/main" val="4207830035"/>
+        <p14:creationId xmlns:p14="http://schemas.microsoft.com/office/powerpoint/2010/main" val="1177566500"/>
       </p:ext>
     </p:extLst>
   </p:cSld>
